--- a/lecture-slides/2019-09-18-oop.pptx
+++ b/lecture-slides/2019-09-18-oop.pptx
@@ -5,19 +5,24 @@
     <p:sldMasterId id="2147483648" r:id="rId1"/>
   </p:sldMasterIdLst>
   <p:notesMasterIdLst>
-    <p:notesMasterId r:id="rId12"/>
+    <p:notesMasterId r:id="rId17"/>
   </p:notesMasterIdLst>
   <p:sldIdLst>
     <p:sldId id="305" r:id="rId2"/>
     <p:sldId id="318" r:id="rId3"/>
-    <p:sldId id="589" r:id="rId4"/>
-    <p:sldId id="587" r:id="rId5"/>
-    <p:sldId id="580" r:id="rId6"/>
-    <p:sldId id="368" r:id="rId7"/>
-    <p:sldId id="588" r:id="rId8"/>
-    <p:sldId id="565" r:id="rId9"/>
-    <p:sldId id="590" r:id="rId10"/>
-    <p:sldId id="271" r:id="rId11"/>
+    <p:sldId id="491" r:id="rId4"/>
+    <p:sldId id="601" r:id="rId5"/>
+    <p:sldId id="602" r:id="rId6"/>
+    <p:sldId id="603" r:id="rId7"/>
+    <p:sldId id="604" r:id="rId8"/>
+    <p:sldId id="605" r:id="rId9"/>
+    <p:sldId id="607" r:id="rId10"/>
+    <p:sldId id="608" r:id="rId11"/>
+    <p:sldId id="587" r:id="rId12"/>
+    <p:sldId id="588" r:id="rId13"/>
+    <p:sldId id="565" r:id="rId14"/>
+    <p:sldId id="368" r:id="rId15"/>
+    <p:sldId id="271" r:id="rId16"/>
   </p:sldIdLst>
   <p:sldSz cx="12192000" cy="6858000"/>
   <p:notesSz cx="6858000" cy="9144000"/>
@@ -206,7 +211,7 @@
           <a:p>
             <a:fld id="{A677DEB0-5AA4-49C7-B0AD-AD047A002C4C}" type="datetimeFigureOut">
               <a:rPr lang="en-US" smtClean="0"/>
-              <a:t>9/16/19</a:t>
+              <a:t>9/18/19</a:t>
             </a:fld>
             <a:endParaRPr lang="en-US"/>
           </a:p>
@@ -557,6 +562,174 @@
 </p:notes>
 </file>
 
+<file path=ppt/notesSlides/notesSlide10.xml><?xml version="1.0" encoding="utf-8"?>
+<p:notes xmlns:a="http://schemas.openxmlformats.org/drawingml/2006/main" xmlns:r="http://schemas.openxmlformats.org/officeDocument/2006/relationships" xmlns:p="http://schemas.openxmlformats.org/presentationml/2006/main">
+  <p:cSld>
+    <p:spTree>
+      <p:nvGrpSpPr>
+        <p:cNvPr id="1" name=""/>
+        <p:cNvGrpSpPr/>
+        <p:nvPr/>
+      </p:nvGrpSpPr>
+      <p:grpSpPr>
+        <a:xfrm>
+          <a:off x="0" y="0"/>
+          <a:ext cx="0" cy="0"/>
+          <a:chOff x="0" y="0"/>
+          <a:chExt cx="0" cy="0"/>
+        </a:xfrm>
+      </p:grpSpPr>
+      <p:sp>
+        <p:nvSpPr>
+          <p:cNvPr id="2" name="Slide Image Placeholder 1"/>
+          <p:cNvSpPr>
+            <a:spLocks noGrp="1" noRot="1" noChangeAspect="1"/>
+          </p:cNvSpPr>
+          <p:nvPr>
+            <p:ph type="sldImg"/>
+          </p:nvPr>
+        </p:nvSpPr>
+        <p:spPr/>
+      </p:sp>
+      <p:sp>
+        <p:nvSpPr>
+          <p:cNvPr id="3" name="Notes Placeholder 2"/>
+          <p:cNvSpPr>
+            <a:spLocks noGrp="1"/>
+          </p:cNvSpPr>
+          <p:nvPr>
+            <p:ph type="body" idx="1"/>
+          </p:nvPr>
+        </p:nvSpPr>
+        <p:spPr/>
+        <p:txBody>
+          <a:bodyPr/>
+          <a:lstStyle/>
+          <a:p>
+            <a:endParaRPr lang="en-US" sz="1100" dirty="0"/>
+          </a:p>
+        </p:txBody>
+      </p:sp>
+      <p:sp>
+        <p:nvSpPr>
+          <p:cNvPr id="4" name="Slide Number Placeholder 3"/>
+          <p:cNvSpPr>
+            <a:spLocks noGrp="1"/>
+          </p:cNvSpPr>
+          <p:nvPr>
+            <p:ph type="sldNum" sz="quarter" idx="10"/>
+          </p:nvPr>
+        </p:nvSpPr>
+        <p:spPr/>
+        <p:txBody>
+          <a:bodyPr/>
+          <a:lstStyle/>
+          <a:p>
+            <a:fld id="{5394DE12-7B9B-46AA-AC19-C30A49928B9B}" type="slidenum">
+              <a:rPr lang="en-US" smtClean="0"/>
+              <a:t>14</a:t>
+            </a:fld>
+            <a:endParaRPr lang="en-US"/>
+          </a:p>
+        </p:txBody>
+      </p:sp>
+    </p:spTree>
+    <p:extLst>
+      <p:ext uri="{BB962C8B-B14F-4D97-AF65-F5344CB8AC3E}">
+        <p14:creationId xmlns:p14="http://schemas.microsoft.com/office/powerpoint/2010/main" val="3279556232"/>
+      </p:ext>
+    </p:extLst>
+  </p:cSld>
+  <p:clrMapOvr>
+    <a:masterClrMapping/>
+  </p:clrMapOvr>
+</p:notes>
+</file>
+
+<file path=ppt/notesSlides/notesSlide11.xml><?xml version="1.0" encoding="utf-8"?>
+<p:notes xmlns:a="http://schemas.openxmlformats.org/drawingml/2006/main" xmlns:r="http://schemas.openxmlformats.org/officeDocument/2006/relationships" xmlns:p="http://schemas.openxmlformats.org/presentationml/2006/main">
+  <p:cSld>
+    <p:spTree>
+      <p:nvGrpSpPr>
+        <p:cNvPr id="1" name=""/>
+        <p:cNvGrpSpPr/>
+        <p:nvPr/>
+      </p:nvGrpSpPr>
+      <p:grpSpPr>
+        <a:xfrm>
+          <a:off x="0" y="0"/>
+          <a:ext cx="0" cy="0"/>
+          <a:chOff x="0" y="0"/>
+          <a:chExt cx="0" cy="0"/>
+        </a:xfrm>
+      </p:grpSpPr>
+      <p:sp>
+        <p:nvSpPr>
+          <p:cNvPr id="2" name="Slide Image Placeholder 1"/>
+          <p:cNvSpPr>
+            <a:spLocks noGrp="1" noRot="1" noChangeAspect="1"/>
+          </p:cNvSpPr>
+          <p:nvPr>
+            <p:ph type="sldImg"/>
+          </p:nvPr>
+        </p:nvSpPr>
+        <p:spPr/>
+      </p:sp>
+      <p:sp>
+        <p:nvSpPr>
+          <p:cNvPr id="3" name="Notes Placeholder 2"/>
+          <p:cNvSpPr>
+            <a:spLocks noGrp="1"/>
+          </p:cNvSpPr>
+          <p:nvPr>
+            <p:ph type="body" idx="1"/>
+          </p:nvPr>
+        </p:nvSpPr>
+        <p:spPr/>
+        <p:txBody>
+          <a:bodyPr/>
+          <a:lstStyle/>
+          <a:p>
+            <a:endParaRPr lang="en-US" dirty="0"/>
+          </a:p>
+        </p:txBody>
+      </p:sp>
+      <p:sp>
+        <p:nvSpPr>
+          <p:cNvPr id="4" name="Slide Number Placeholder 3"/>
+          <p:cNvSpPr>
+            <a:spLocks noGrp="1"/>
+          </p:cNvSpPr>
+          <p:nvPr>
+            <p:ph type="sldNum" sz="quarter" idx="10"/>
+          </p:nvPr>
+        </p:nvSpPr>
+        <p:spPr/>
+        <p:txBody>
+          <a:bodyPr/>
+          <a:lstStyle/>
+          <a:p>
+            <a:fld id="{5394DE12-7B9B-46AA-AC19-C30A49928B9B}" type="slidenum">
+              <a:rPr lang="en-US" smtClean="0"/>
+              <a:t>15</a:t>
+            </a:fld>
+            <a:endParaRPr lang="en-US" dirty="0"/>
+          </a:p>
+        </p:txBody>
+      </p:sp>
+    </p:spTree>
+    <p:extLst>
+      <p:ext uri="{BB962C8B-B14F-4D97-AF65-F5344CB8AC3E}">
+        <p14:creationId xmlns:p14="http://schemas.microsoft.com/office/powerpoint/2010/main" val="3355459141"/>
+      </p:ext>
+    </p:extLst>
+  </p:cSld>
+  <p:clrMapOvr>
+    <a:masterClrMapping/>
+  </p:clrMapOvr>
+</p:notes>
+</file>
+
 <file path=ppt/notesSlides/notesSlide2.xml><?xml version="1.0" encoding="utf-8"?>
 <p:notes xmlns:a="http://schemas.openxmlformats.org/drawingml/2006/main" xmlns:r="http://schemas.openxmlformats.org/officeDocument/2006/relationships" xmlns:p="http://schemas.openxmlformats.org/presentationml/2006/main">
   <p:cSld>
@@ -601,7 +774,10 @@
           <a:bodyPr/>
           <a:lstStyle/>
           <a:p>
-            <a:endParaRPr lang="en-US" dirty="0"/>
+            <a:r>
+              <a:rPr lang="en-US" sz="1000" dirty="0"/>
+              <a:t>Some people would say that binary files include all files, and that text files are just binary files that are being interpreted in a specific way. </a:t>
+            </a:r>
           </a:p>
         </p:txBody>
       </p:sp>
@@ -622,7 +798,7 @@
           <a:p>
             <a:fld id="{5394DE12-7B9B-46AA-AC19-C30A49928B9B}" type="slidenum">
               <a:rPr lang="en-US" smtClean="0"/>
-              <a:t>3</a:t>
+              <a:t>4</a:t>
             </a:fld>
             <a:endParaRPr lang="en-US" dirty="0"/>
           </a:p>
@@ -631,7 +807,7 @@
     </p:spTree>
     <p:extLst>
       <p:ext uri="{BB962C8B-B14F-4D97-AF65-F5344CB8AC3E}">
-        <p14:creationId xmlns:p14="http://schemas.microsoft.com/office/powerpoint/2010/main" val="1679940051"/>
+        <p14:creationId xmlns:p14="http://schemas.microsoft.com/office/powerpoint/2010/main" val="1097000919"/>
       </p:ext>
     </p:extLst>
   </p:cSld>
@@ -704,18 +880,18 @@
           <a:bodyPr/>
           <a:lstStyle/>
           <a:p>
-            <a:fld id="{5394DE12-7B9B-46AA-AC19-C30A49928B9B}" type="slidenum">
+            <a:fld id="{23B99BB9-C7F6-43B3-A122-46088ABB36FB}" type="slidenum">
               <a:rPr lang="en-US" smtClean="0"/>
-              <a:t>4</a:t>
+              <a:t>5</a:t>
             </a:fld>
-            <a:endParaRPr lang="en-US" dirty="0"/>
+            <a:endParaRPr lang="en-US"/>
           </a:p>
         </p:txBody>
       </p:sp>
     </p:spTree>
     <p:extLst>
       <p:ext uri="{BB962C8B-B14F-4D97-AF65-F5344CB8AC3E}">
-        <p14:creationId xmlns:p14="http://schemas.microsoft.com/office/powerpoint/2010/main" val="1479625852"/>
+        <p14:creationId xmlns:p14="http://schemas.microsoft.com/office/powerpoint/2010/main" val="332347555"/>
       </p:ext>
     </p:extLst>
   </p:cSld>
@@ -788,18 +964,18 @@
           <a:bodyPr/>
           <a:lstStyle/>
           <a:p>
-            <a:fld id="{5394DE12-7B9B-46AA-AC19-C30A49928B9B}" type="slidenum">
+            <a:fld id="{23B99BB9-C7F6-43B3-A122-46088ABB36FB}" type="slidenum">
               <a:rPr lang="en-US" smtClean="0"/>
-              <a:t>5</a:t>
+              <a:t>6</a:t>
             </a:fld>
-            <a:endParaRPr lang="en-US" dirty="0"/>
+            <a:endParaRPr lang="en-US"/>
           </a:p>
         </p:txBody>
       </p:sp>
     </p:spTree>
     <p:extLst>
       <p:ext uri="{BB962C8B-B14F-4D97-AF65-F5344CB8AC3E}">
-        <p14:creationId xmlns:p14="http://schemas.microsoft.com/office/powerpoint/2010/main" val="890274923"/>
+        <p14:creationId xmlns:p14="http://schemas.microsoft.com/office/powerpoint/2010/main" val="4112299320"/>
       </p:ext>
     </p:extLst>
   </p:cSld>
@@ -853,7 +1029,7 @@
           <a:bodyPr/>
           <a:lstStyle/>
           <a:p>
-            <a:endParaRPr lang="en-US" sz="1100" dirty="0"/>
+            <a:endParaRPr lang="en-US" dirty="0"/>
           </a:p>
         </p:txBody>
       </p:sp>
@@ -872,9 +1048,9 @@
           <a:bodyPr/>
           <a:lstStyle/>
           <a:p>
-            <a:fld id="{5394DE12-7B9B-46AA-AC19-C30A49928B9B}" type="slidenum">
+            <a:fld id="{23B99BB9-C7F6-43B3-A122-46088ABB36FB}" type="slidenum">
               <a:rPr lang="en-US" smtClean="0"/>
-              <a:t>6</a:t>
+              <a:t>7</a:t>
             </a:fld>
             <a:endParaRPr lang="en-US"/>
           </a:p>
@@ -883,7 +1059,7 @@
     </p:spTree>
     <p:extLst>
       <p:ext uri="{BB962C8B-B14F-4D97-AF65-F5344CB8AC3E}">
-        <p14:creationId xmlns:p14="http://schemas.microsoft.com/office/powerpoint/2010/main" val="3279556232"/>
+        <p14:creationId xmlns:p14="http://schemas.microsoft.com/office/powerpoint/2010/main" val="2104307084"/>
       </p:ext>
     </p:extLst>
   </p:cSld>
@@ -967,7 +1143,7 @@
     </p:spTree>
     <p:extLst>
       <p:ext uri="{BB962C8B-B14F-4D97-AF65-F5344CB8AC3E}">
-        <p14:creationId xmlns:p14="http://schemas.microsoft.com/office/powerpoint/2010/main" val="3923728908"/>
+        <p14:creationId xmlns:p14="http://schemas.microsoft.com/office/powerpoint/2010/main" val="1343556866"/>
       </p:ext>
     </p:extLst>
   </p:cSld>
@@ -1021,7 +1197,10 @@
           <a:bodyPr/>
           <a:lstStyle/>
           <a:p>
-            <a:endParaRPr lang="en-US" sz="1100" dirty="0"/>
+            <a:r>
+              <a:rPr lang="en-US" sz="1000" dirty="0"/>
+              <a:t>JSON is an open-standard format that uses human-readable text to transmit data objects consisting of attribute–value pairs. It is a very common data format used for asynchronous browser/server communication, including as a replacement for XML in some web service style systems.</a:t>
+            </a:r>
           </a:p>
         </p:txBody>
       </p:sp>
@@ -1044,14 +1223,14 @@
               <a:rPr lang="en-US" smtClean="0"/>
               <a:t>9</a:t>
             </a:fld>
-            <a:endParaRPr lang="en-US"/>
+            <a:endParaRPr lang="en-US" dirty="0"/>
           </a:p>
         </p:txBody>
       </p:sp>
     </p:spTree>
     <p:extLst>
       <p:ext uri="{BB962C8B-B14F-4D97-AF65-F5344CB8AC3E}">
-        <p14:creationId xmlns:p14="http://schemas.microsoft.com/office/powerpoint/2010/main" val="2463206024"/>
+        <p14:creationId xmlns:p14="http://schemas.microsoft.com/office/powerpoint/2010/main" val="1322658844"/>
       </p:ext>
     </p:extLst>
   </p:cSld>
@@ -1126,7 +1305,7 @@
           <a:p>
             <a:fld id="{5394DE12-7B9B-46AA-AC19-C30A49928B9B}" type="slidenum">
               <a:rPr lang="en-US" smtClean="0"/>
-              <a:t>10</a:t>
+              <a:t>11</a:t>
             </a:fld>
             <a:endParaRPr lang="en-US" dirty="0"/>
           </a:p>
@@ -1135,7 +1314,91 @@
     </p:spTree>
     <p:extLst>
       <p:ext uri="{BB962C8B-B14F-4D97-AF65-F5344CB8AC3E}">
-        <p14:creationId xmlns:p14="http://schemas.microsoft.com/office/powerpoint/2010/main" val="3355459141"/>
+        <p14:creationId xmlns:p14="http://schemas.microsoft.com/office/powerpoint/2010/main" val="1479625852"/>
+      </p:ext>
+    </p:extLst>
+  </p:cSld>
+  <p:clrMapOvr>
+    <a:masterClrMapping/>
+  </p:clrMapOvr>
+</p:notes>
+</file>
+
+<file path=ppt/notesSlides/notesSlide9.xml><?xml version="1.0" encoding="utf-8"?>
+<p:notes xmlns:a="http://schemas.openxmlformats.org/drawingml/2006/main" xmlns:r="http://schemas.openxmlformats.org/officeDocument/2006/relationships" xmlns:p="http://schemas.openxmlformats.org/presentationml/2006/main">
+  <p:cSld>
+    <p:spTree>
+      <p:nvGrpSpPr>
+        <p:cNvPr id="1" name=""/>
+        <p:cNvGrpSpPr/>
+        <p:nvPr/>
+      </p:nvGrpSpPr>
+      <p:grpSpPr>
+        <a:xfrm>
+          <a:off x="0" y="0"/>
+          <a:ext cx="0" cy="0"/>
+          <a:chOff x="0" y="0"/>
+          <a:chExt cx="0" cy="0"/>
+        </a:xfrm>
+      </p:grpSpPr>
+      <p:sp>
+        <p:nvSpPr>
+          <p:cNvPr id="2" name="Slide Image Placeholder 1"/>
+          <p:cNvSpPr>
+            <a:spLocks noGrp="1" noRot="1" noChangeAspect="1"/>
+          </p:cNvSpPr>
+          <p:nvPr>
+            <p:ph type="sldImg"/>
+          </p:nvPr>
+        </p:nvSpPr>
+        <p:spPr/>
+      </p:sp>
+      <p:sp>
+        <p:nvSpPr>
+          <p:cNvPr id="3" name="Notes Placeholder 2"/>
+          <p:cNvSpPr>
+            <a:spLocks noGrp="1"/>
+          </p:cNvSpPr>
+          <p:nvPr>
+            <p:ph type="body" idx="1"/>
+          </p:nvPr>
+        </p:nvSpPr>
+        <p:spPr/>
+        <p:txBody>
+          <a:bodyPr/>
+          <a:lstStyle/>
+          <a:p>
+            <a:endParaRPr lang="en-US" sz="1000" dirty="0"/>
+          </a:p>
+        </p:txBody>
+      </p:sp>
+      <p:sp>
+        <p:nvSpPr>
+          <p:cNvPr id="4" name="Slide Number Placeholder 3"/>
+          <p:cNvSpPr>
+            <a:spLocks noGrp="1"/>
+          </p:cNvSpPr>
+          <p:nvPr>
+            <p:ph type="sldNum" sz="quarter" idx="10"/>
+          </p:nvPr>
+        </p:nvSpPr>
+        <p:spPr/>
+        <p:txBody>
+          <a:bodyPr/>
+          <a:lstStyle/>
+          <a:p>
+            <a:fld id="{5394DE12-7B9B-46AA-AC19-C30A49928B9B}" type="slidenum">
+              <a:rPr lang="en-US" smtClean="0"/>
+              <a:t>13</a:t>
+            </a:fld>
+            <a:endParaRPr lang="en-US" dirty="0"/>
+          </a:p>
+        </p:txBody>
+      </p:sp>
+    </p:spTree>
+    <p:extLst>
+      <p:ext uri="{BB962C8B-B14F-4D97-AF65-F5344CB8AC3E}">
+        <p14:creationId xmlns:p14="http://schemas.microsoft.com/office/powerpoint/2010/main" val="3923728908"/>
       </p:ext>
     </p:extLst>
   </p:cSld>
@@ -1292,7 +1555,7 @@
           <a:p>
             <a:fld id="{1B52E0E1-344B-4E26-B5AD-CE86AB802485}" type="datetimeFigureOut">
               <a:rPr lang="en-US" smtClean="0"/>
-              <a:t>9/16/19</a:t>
+              <a:t>9/18/19</a:t>
             </a:fld>
             <a:endParaRPr lang="en-US"/>
           </a:p>
@@ -1490,7 +1753,7 @@
           <a:p>
             <a:fld id="{1B52E0E1-344B-4E26-B5AD-CE86AB802485}" type="datetimeFigureOut">
               <a:rPr lang="en-US" smtClean="0"/>
-              <a:t>9/16/19</a:t>
+              <a:t>9/18/19</a:t>
             </a:fld>
             <a:endParaRPr lang="en-US"/>
           </a:p>
@@ -1698,7 +1961,7 @@
           <a:p>
             <a:fld id="{1B52E0E1-344B-4E26-B5AD-CE86AB802485}" type="datetimeFigureOut">
               <a:rPr lang="en-US" smtClean="0"/>
-              <a:t>9/16/19</a:t>
+              <a:t>9/18/19</a:t>
             </a:fld>
             <a:endParaRPr lang="en-US"/>
           </a:p>
@@ -1896,7 +2159,7 @@
           <a:p>
             <a:fld id="{1B52E0E1-344B-4E26-B5AD-CE86AB802485}" type="datetimeFigureOut">
               <a:rPr lang="en-US" smtClean="0"/>
-              <a:t>9/16/19</a:t>
+              <a:t>9/18/19</a:t>
             </a:fld>
             <a:endParaRPr lang="en-US"/>
           </a:p>
@@ -2171,7 +2434,7 @@
           <a:p>
             <a:fld id="{1B52E0E1-344B-4E26-B5AD-CE86AB802485}" type="datetimeFigureOut">
               <a:rPr lang="en-US" smtClean="0"/>
-              <a:t>9/16/19</a:t>
+              <a:t>9/18/19</a:t>
             </a:fld>
             <a:endParaRPr lang="en-US"/>
           </a:p>
@@ -2436,7 +2699,7 @@
           <a:p>
             <a:fld id="{1B52E0E1-344B-4E26-B5AD-CE86AB802485}" type="datetimeFigureOut">
               <a:rPr lang="en-US" smtClean="0"/>
-              <a:t>9/16/19</a:t>
+              <a:t>9/18/19</a:t>
             </a:fld>
             <a:endParaRPr lang="en-US"/>
           </a:p>
@@ -2848,7 +3111,7 @@
           <a:p>
             <a:fld id="{1B52E0E1-344B-4E26-B5AD-CE86AB802485}" type="datetimeFigureOut">
               <a:rPr lang="en-US" smtClean="0"/>
-              <a:t>9/16/19</a:t>
+              <a:t>9/18/19</a:t>
             </a:fld>
             <a:endParaRPr lang="en-US"/>
           </a:p>
@@ -2989,7 +3252,7 @@
           <a:p>
             <a:fld id="{1B52E0E1-344B-4E26-B5AD-CE86AB802485}" type="datetimeFigureOut">
               <a:rPr lang="en-US" smtClean="0"/>
-              <a:t>9/16/19</a:t>
+              <a:t>9/18/19</a:t>
             </a:fld>
             <a:endParaRPr lang="en-US"/>
           </a:p>
@@ -3102,7 +3365,7 @@
           <a:p>
             <a:fld id="{1B52E0E1-344B-4E26-B5AD-CE86AB802485}" type="datetimeFigureOut">
               <a:rPr lang="en-US" smtClean="0"/>
-              <a:t>9/16/19</a:t>
+              <a:t>9/18/19</a:t>
             </a:fld>
             <a:endParaRPr lang="en-US"/>
           </a:p>
@@ -3413,7 +3676,7 @@
           <a:p>
             <a:fld id="{1B52E0E1-344B-4E26-B5AD-CE86AB802485}" type="datetimeFigureOut">
               <a:rPr lang="en-US" smtClean="0"/>
-              <a:t>9/16/19</a:t>
+              <a:t>9/18/19</a:t>
             </a:fld>
             <a:endParaRPr lang="en-US"/>
           </a:p>
@@ -3701,7 +3964,7 @@
           <a:p>
             <a:fld id="{1B52E0E1-344B-4E26-B5AD-CE86AB802485}" type="datetimeFigureOut">
               <a:rPr lang="en-US" smtClean="0"/>
-              <a:t>9/16/19</a:t>
+              <a:t>9/18/19</a:t>
             </a:fld>
             <a:endParaRPr lang="en-US"/>
           </a:p>
@@ -3942,7 +4205,7 @@
           <a:p>
             <a:fld id="{1B52E0E1-344B-4E26-B5AD-CE86AB802485}" type="datetimeFigureOut">
               <a:rPr lang="en-US" smtClean="0"/>
-              <a:t>9/16/19</a:t>
+              <a:t>9/18/19</a:t>
             </a:fld>
             <a:endParaRPr lang="en-US"/>
           </a:p>
@@ -4469,7 +4732,7 @@
             </a:pPr>
             <a:r>
               <a:rPr lang="en-US" sz="2000" dirty="0"/>
-              <a:t>Friendly Conversation Topic – Software Licensing</a:t>
+              <a:t>Friendly Conversation Topic – Files &amp; JSON</a:t>
             </a:r>
           </a:p>
           <a:p>
@@ -4575,6 +4838,699 @@
 <file path=ppt/slides/slide10.xml><?xml version="1.0" encoding="utf-8"?>
 <p:sld xmlns:a="http://schemas.openxmlformats.org/drawingml/2006/main" xmlns:r="http://schemas.openxmlformats.org/officeDocument/2006/relationships" xmlns:p="http://schemas.openxmlformats.org/presentationml/2006/main">
   <p:cSld>
+    <p:spTree>
+      <p:nvGrpSpPr>
+        <p:cNvPr id="1" name=""/>
+        <p:cNvGrpSpPr/>
+        <p:nvPr/>
+      </p:nvGrpSpPr>
+      <p:grpSpPr>
+        <a:xfrm>
+          <a:off x="0" y="0"/>
+          <a:ext cx="0" cy="0"/>
+          <a:chOff x="0" y="0"/>
+          <a:chExt cx="0" cy="0"/>
+        </a:xfrm>
+      </p:grpSpPr>
+      <p:sp>
+        <p:nvSpPr>
+          <p:cNvPr id="2" name="Title 1">
+            <a:extLst>
+              <a:ext uri="{FF2B5EF4-FFF2-40B4-BE49-F238E27FC236}">
+                <a16:creationId xmlns:a16="http://schemas.microsoft.com/office/drawing/2014/main" id="{2A5755BE-860E-40EB-ADA6-6E82BCB49EC3}"/>
+              </a:ext>
+            </a:extLst>
+          </p:cNvPr>
+          <p:cNvSpPr>
+            <a:spLocks noGrp="1"/>
+          </p:cNvSpPr>
+          <p:nvPr>
+            <p:ph type="title"/>
+          </p:nvPr>
+        </p:nvSpPr>
+        <p:spPr>
+          <a:xfrm>
+            <a:off x="838200" y="2766218"/>
+            <a:ext cx="10515600" cy="1325563"/>
+          </a:xfrm>
+        </p:spPr>
+        <p:txBody>
+          <a:bodyPr>
+            <a:normAutofit fontScale="90000"/>
+          </a:bodyPr>
+          <a:lstStyle/>
+          <a:p>
+            <a:pPr algn="ctr"/>
+            <a:r>
+              <a:rPr lang="en-US" dirty="0"/>
+              <a:t>Question: What is the difference between a UTF-8 XML file that contains only ACSII characters and an ACSII XML file?</a:t>
+            </a:r>
+          </a:p>
+        </p:txBody>
+      </p:sp>
+    </p:spTree>
+    <p:extLst>
+      <p:ext uri="{BB962C8B-B14F-4D97-AF65-F5344CB8AC3E}">
+        <p14:creationId xmlns:p14="http://schemas.microsoft.com/office/powerpoint/2010/main" val="613642927"/>
+      </p:ext>
+    </p:extLst>
+  </p:cSld>
+  <p:clrMapOvr>
+    <a:masterClrMapping/>
+  </p:clrMapOvr>
+</p:sld>
+</file>
+
+<file path=ppt/slides/slide11.xml><?xml version="1.0" encoding="utf-8"?>
+<p:sld xmlns:a="http://schemas.openxmlformats.org/drawingml/2006/main" xmlns:r="http://schemas.openxmlformats.org/officeDocument/2006/relationships" xmlns:p="http://schemas.openxmlformats.org/presentationml/2006/main">
+  <p:cSld>
+    <p:spTree>
+      <p:nvGrpSpPr>
+        <p:cNvPr id="1" name=""/>
+        <p:cNvGrpSpPr/>
+        <p:nvPr/>
+      </p:nvGrpSpPr>
+      <p:grpSpPr>
+        <a:xfrm>
+          <a:off x="0" y="0"/>
+          <a:ext cx="0" cy="0"/>
+          <a:chOff x="0" y="0"/>
+          <a:chExt cx="0" cy="0"/>
+        </a:xfrm>
+      </p:grpSpPr>
+      <p:sp>
+        <p:nvSpPr>
+          <p:cNvPr id="2" name="Title 1"/>
+          <p:cNvSpPr>
+            <a:spLocks noGrp="1"/>
+          </p:cNvSpPr>
+          <p:nvPr>
+            <p:ph type="ctrTitle"/>
+          </p:nvPr>
+        </p:nvSpPr>
+        <p:spPr>
+          <a:xfrm>
+            <a:off x="1117600" y="3051480"/>
+            <a:ext cx="9956800" cy="755040"/>
+          </a:xfrm>
+        </p:spPr>
+        <p:txBody>
+          <a:bodyPr anchor="ctr">
+            <a:noAutofit/>
+          </a:bodyPr>
+          <a:lstStyle/>
+          <a:p>
+            <a:r>
+              <a:rPr lang="en-US" sz="4400" dirty="0"/>
+              <a:t>Q&amp;A: Sprint 2 Activity List </a:t>
+            </a:r>
+            <a:br>
+              <a:rPr lang="en-US" sz="4400" dirty="0"/>
+            </a:br>
+            <a:r>
+              <a:rPr lang="en-US" sz="4400" dirty="0"/>
+              <a:t>and Assignments</a:t>
+            </a:r>
+          </a:p>
+        </p:txBody>
+      </p:sp>
+    </p:spTree>
+    <p:extLst>
+      <p:ext uri="{BB962C8B-B14F-4D97-AF65-F5344CB8AC3E}">
+        <p14:creationId xmlns:p14="http://schemas.microsoft.com/office/powerpoint/2010/main" val="2977409581"/>
+      </p:ext>
+    </p:extLst>
+  </p:cSld>
+  <p:clrMapOvr>
+    <a:masterClrMapping/>
+  </p:clrMapOvr>
+</p:sld>
+</file>
+
+<file path=ppt/slides/slide12.xml><?xml version="1.0" encoding="utf-8"?>
+<p:sld xmlns:a="http://schemas.openxmlformats.org/drawingml/2006/main" xmlns:r="http://schemas.openxmlformats.org/officeDocument/2006/relationships" xmlns:p="http://schemas.openxmlformats.org/presentationml/2006/main">
+  <p:cSld>
+    <p:spTree>
+      <p:nvGrpSpPr>
+        <p:cNvPr id="1" name=""/>
+        <p:cNvGrpSpPr/>
+        <p:nvPr/>
+      </p:nvGrpSpPr>
+      <p:grpSpPr>
+        <a:xfrm>
+          <a:off x="0" y="0"/>
+          <a:ext cx="0" cy="0"/>
+          <a:chOff x="0" y="0"/>
+          <a:chExt cx="0" cy="0"/>
+        </a:xfrm>
+      </p:grpSpPr>
+      <p:sp>
+        <p:nvSpPr>
+          <p:cNvPr id="2" name="Title 1">
+            <a:extLst>
+              <a:ext uri="{FF2B5EF4-FFF2-40B4-BE49-F238E27FC236}">
+                <a16:creationId xmlns:a16="http://schemas.microsoft.com/office/drawing/2014/main" id="{2A5755BE-860E-40EB-ADA6-6E82BCB49EC3}"/>
+              </a:ext>
+            </a:extLst>
+          </p:cNvPr>
+          <p:cNvSpPr>
+            <a:spLocks noGrp="1"/>
+          </p:cNvSpPr>
+          <p:nvPr>
+            <p:ph type="title"/>
+          </p:nvPr>
+        </p:nvSpPr>
+        <p:spPr/>
+        <p:txBody>
+          <a:bodyPr/>
+          <a:lstStyle/>
+          <a:p>
+            <a:r>
+              <a:rPr lang="en-US" dirty="0"/>
+              <a:t>Assignment</a:t>
+            </a:r>
+          </a:p>
+        </p:txBody>
+      </p:sp>
+      <p:sp>
+        <p:nvSpPr>
+          <p:cNvPr id="3" name="Content Placeholder 2">
+            <a:extLst>
+              <a:ext uri="{FF2B5EF4-FFF2-40B4-BE49-F238E27FC236}">
+                <a16:creationId xmlns:a16="http://schemas.microsoft.com/office/drawing/2014/main" id="{72EF5DE0-5958-4171-A9E3-3D288A31AC3F}"/>
+              </a:ext>
+            </a:extLst>
+          </p:cNvPr>
+          <p:cNvSpPr>
+            <a:spLocks noGrp="1"/>
+          </p:cNvSpPr>
+          <p:nvPr>
+            <p:ph idx="1"/>
+          </p:nvPr>
+        </p:nvSpPr>
+        <p:spPr>
+          <a:xfrm>
+            <a:off x="838200" y="1654444"/>
+            <a:ext cx="10515600" cy="4522519"/>
+          </a:xfrm>
+        </p:spPr>
+        <p:txBody>
+          <a:bodyPr>
+            <a:normAutofit/>
+          </a:bodyPr>
+          <a:lstStyle/>
+          <a:p>
+            <a:pPr marL="0" indent="0">
+              <a:buNone/>
+            </a:pPr>
+            <a:r>
+              <a:rPr lang="en-US" sz="2000" dirty="0"/>
+              <a:t>Complete all items on the Activities List with the possible exceptions of the Programming Assignment and Quiz. You should have a solid start on both items, but it is okay if you need to spend time over the weekend to complete them.</a:t>
+            </a:r>
+          </a:p>
+          <a:p>
+            <a:pPr marL="0" indent="0">
+              <a:buNone/>
+            </a:pPr>
+            <a:endParaRPr lang="en-US" sz="2000" dirty="0"/>
+          </a:p>
+          <a:p>
+            <a:pPr marL="0" indent="0">
+              <a:buNone/>
+            </a:pPr>
+            <a:endParaRPr lang="en-US" sz="1800" dirty="0"/>
+          </a:p>
+          <a:p>
+            <a:endParaRPr lang="en-US" dirty="0"/>
+          </a:p>
+        </p:txBody>
+      </p:sp>
+    </p:spTree>
+    <p:extLst>
+      <p:ext uri="{BB962C8B-B14F-4D97-AF65-F5344CB8AC3E}">
+        <p14:creationId xmlns:p14="http://schemas.microsoft.com/office/powerpoint/2010/main" val="1228743602"/>
+      </p:ext>
+    </p:extLst>
+  </p:cSld>
+  <p:clrMapOvr>
+    <a:masterClrMapping/>
+  </p:clrMapOvr>
+</p:sld>
+</file>
+
+<file path=ppt/slides/slide13.xml><?xml version="1.0" encoding="utf-8"?>
+<p:sld xmlns:a="http://schemas.openxmlformats.org/drawingml/2006/main" xmlns:r="http://schemas.openxmlformats.org/officeDocument/2006/relationships" xmlns:p="http://schemas.openxmlformats.org/presentationml/2006/main">
+  <p:cSld>
+    <p:spTree>
+      <p:nvGrpSpPr>
+        <p:cNvPr id="1" name=""/>
+        <p:cNvGrpSpPr/>
+        <p:nvPr/>
+      </p:nvGrpSpPr>
+      <p:grpSpPr>
+        <a:xfrm>
+          <a:off x="0" y="0"/>
+          <a:ext cx="0" cy="0"/>
+          <a:chOff x="0" y="0"/>
+          <a:chExt cx="0" cy="0"/>
+        </a:xfrm>
+      </p:grpSpPr>
+      <p:sp>
+        <p:nvSpPr>
+          <p:cNvPr id="2" name="Title 1"/>
+          <p:cNvSpPr>
+            <a:spLocks noGrp="1"/>
+          </p:cNvSpPr>
+          <p:nvPr>
+            <p:ph type="title"/>
+          </p:nvPr>
+        </p:nvSpPr>
+        <p:spPr>
+          <a:xfrm>
+            <a:off x="838200" y="365126"/>
+            <a:ext cx="10515600" cy="757272"/>
+          </a:xfrm>
+        </p:spPr>
+        <p:txBody>
+          <a:bodyPr>
+            <a:normAutofit/>
+          </a:bodyPr>
+          <a:lstStyle/>
+          <a:p>
+            <a:r>
+              <a:rPr lang="en-US" sz="3600" dirty="0"/>
+              <a:t>Lab</a:t>
+            </a:r>
+            <a:endParaRPr lang="en-US" sz="3600" b="1" i="1" u="sng" dirty="0"/>
+          </a:p>
+        </p:txBody>
+      </p:sp>
+      <p:sp>
+        <p:nvSpPr>
+          <p:cNvPr id="3" name="Content Placeholder 2"/>
+          <p:cNvSpPr>
+            <a:spLocks noGrp="1"/>
+          </p:cNvSpPr>
+          <p:nvPr>
+            <p:ph idx="1"/>
+          </p:nvPr>
+        </p:nvSpPr>
+        <p:spPr>
+          <a:xfrm>
+            <a:off x="838200" y="1122399"/>
+            <a:ext cx="10718950" cy="3104544"/>
+          </a:xfrm>
+        </p:spPr>
+        <p:txBody>
+          <a:bodyPr>
+            <a:normAutofit/>
+          </a:bodyPr>
+          <a:lstStyle/>
+          <a:p>
+            <a:pPr marL="0" indent="0">
+              <a:buNone/>
+            </a:pPr>
+            <a:r>
+              <a:rPr lang="en-US" sz="2000" dirty="0"/>
+              <a:t>As A Scrum Team:</a:t>
+            </a:r>
+          </a:p>
+          <a:p>
+            <a:pPr marL="457200" indent="-457200">
+              <a:buFont typeface="+mj-lt"/>
+              <a:buAutoNum type="arabicPeriod"/>
+            </a:pPr>
+            <a:r>
+              <a:rPr lang="en-US" sz="2000" dirty="0"/>
+              <a:t>Prepare and share your OOP Principle or Design Characteristic</a:t>
+            </a:r>
+          </a:p>
+          <a:p>
+            <a:pPr marL="457200" indent="-457200">
+              <a:buFont typeface="+mj-lt"/>
+              <a:buAutoNum type="arabicPeriod"/>
+            </a:pPr>
+            <a:r>
+              <a:rPr lang="en-US" sz="2000" dirty="0"/>
+              <a:t>Review HelloWorld Plus </a:t>
+            </a:r>
+          </a:p>
+          <a:p>
+            <a:pPr marL="457200" indent="-457200">
+              <a:buFont typeface="+mj-lt"/>
+              <a:buAutoNum type="arabicPeriod"/>
+            </a:pPr>
+            <a:r>
+              <a:rPr lang="en-US" sz="2000" dirty="0"/>
+              <a:t>Sprint 2 Assignments</a:t>
+            </a:r>
+          </a:p>
+          <a:p>
+            <a:pPr marL="457200" indent="-457200">
+              <a:buFont typeface="+mj-lt"/>
+              <a:buAutoNum type="arabicPeriod"/>
+            </a:pPr>
+            <a:r>
+              <a:rPr lang="en-US" sz="2000" dirty="0"/>
+              <a:t>Team report out by Scrum Master at 2:46</a:t>
+            </a:r>
+          </a:p>
+          <a:p>
+            <a:pPr marL="0" indent="0">
+              <a:buNone/>
+            </a:pPr>
+            <a:endParaRPr lang="en-US" sz="2000" dirty="0"/>
+          </a:p>
+          <a:p>
+            <a:pPr marL="0" indent="0">
+              <a:buNone/>
+            </a:pPr>
+            <a:endParaRPr lang="en-US" sz="2000" dirty="0"/>
+          </a:p>
+          <a:p>
+            <a:pPr marL="0" indent="0">
+              <a:buNone/>
+            </a:pPr>
+            <a:endParaRPr lang="en-US" sz="2000" dirty="0"/>
+          </a:p>
+        </p:txBody>
+      </p:sp>
+      <p:sp>
+        <p:nvSpPr>
+          <p:cNvPr id="4" name="Rectangle 3">
+            <a:extLst>
+              <a:ext uri="{FF2B5EF4-FFF2-40B4-BE49-F238E27FC236}">
+                <a16:creationId xmlns:a16="http://schemas.microsoft.com/office/drawing/2014/main" id="{26BADDFD-9BE3-0244-AE69-52D2BB47696A}"/>
+              </a:ext>
+            </a:extLst>
+          </p:cNvPr>
+          <p:cNvSpPr/>
+          <p:nvPr/>
+        </p:nvSpPr>
+        <p:spPr>
+          <a:xfrm>
+            <a:off x="838200" y="4649423"/>
+            <a:ext cx="10515600" cy="1754326"/>
+          </a:xfrm>
+          <a:prstGeom prst="rect">
+            <a:avLst/>
+          </a:prstGeom>
+        </p:spPr>
+        <p:txBody>
+          <a:bodyPr wrap="square">
+            <a:spAutoFit/>
+          </a:bodyPr>
+          <a:lstStyle/>
+          <a:p>
+            <a:r>
+              <a:rPr lang="en-US" u="sng" dirty="0"/>
+              <a:t>Team Report Out Guidelines</a:t>
+            </a:r>
+          </a:p>
+          <a:p>
+            <a:r>
+              <a:rPr lang="en-US" dirty="0"/>
+              <a:t>Scrum Master will stand up, give your name, your team name, and briefly answer the following questions:</a:t>
+            </a:r>
+          </a:p>
+          <a:p>
+            <a:pPr marL="514350" indent="-514350">
+              <a:buFont typeface="+mj-lt"/>
+              <a:buAutoNum type="alphaLcParenR"/>
+            </a:pPr>
+            <a:r>
+              <a:rPr lang="en-US" dirty="0"/>
+              <a:t>What did you accomplish since the last meeting? And what will you be working on until the next meeting?</a:t>
+            </a:r>
+          </a:p>
+          <a:p>
+            <a:pPr marL="514350" indent="-514350">
+              <a:buFont typeface="+mj-lt"/>
+              <a:buAutoNum type="alphaLcParenR"/>
+            </a:pPr>
+            <a:r>
+              <a:rPr lang="en-US" dirty="0"/>
+              <a:t>Is the team committed to completing assignments? All/Most/Some</a:t>
+            </a:r>
+          </a:p>
+          <a:p>
+            <a:pPr marL="514350" indent="-514350">
+              <a:buFont typeface="+mj-lt"/>
+              <a:buAutoNum type="alphaLcParenR"/>
+            </a:pPr>
+            <a:r>
+              <a:rPr lang="en-US" dirty="0"/>
+              <a:t>What is getting in your way or keeping you from completing the assignments?</a:t>
+            </a:r>
+          </a:p>
+        </p:txBody>
+      </p:sp>
+    </p:spTree>
+    <p:extLst>
+      <p:ext uri="{BB962C8B-B14F-4D97-AF65-F5344CB8AC3E}">
+        <p14:creationId xmlns:p14="http://schemas.microsoft.com/office/powerpoint/2010/main" val="3931569157"/>
+      </p:ext>
+    </p:extLst>
+  </p:cSld>
+  <p:clrMapOvr>
+    <a:masterClrMapping/>
+  </p:clrMapOvr>
+</p:sld>
+</file>
+
+<file path=ppt/slides/slide14.xml><?xml version="1.0" encoding="utf-8"?>
+<p:sld xmlns:a="http://schemas.openxmlformats.org/drawingml/2006/main" xmlns:r="http://schemas.openxmlformats.org/officeDocument/2006/relationships" xmlns:p="http://schemas.openxmlformats.org/presentationml/2006/main">
+  <p:cSld>
+    <p:spTree>
+      <p:nvGrpSpPr>
+        <p:cNvPr id="1" name=""/>
+        <p:cNvGrpSpPr/>
+        <p:nvPr/>
+      </p:nvGrpSpPr>
+      <p:grpSpPr>
+        <a:xfrm>
+          <a:off x="0" y="0"/>
+          <a:ext cx="0" cy="0"/>
+          <a:chOff x="0" y="0"/>
+          <a:chExt cx="0" cy="0"/>
+        </a:xfrm>
+      </p:grpSpPr>
+      <p:sp>
+        <p:nvSpPr>
+          <p:cNvPr id="2" name="Title 1"/>
+          <p:cNvSpPr>
+            <a:spLocks noGrp="1"/>
+          </p:cNvSpPr>
+          <p:nvPr>
+            <p:ph type="title"/>
+          </p:nvPr>
+        </p:nvSpPr>
+        <p:spPr>
+          <a:xfrm>
+            <a:off x="838200" y="365125"/>
+            <a:ext cx="10515600" cy="1193087"/>
+          </a:xfrm>
+        </p:spPr>
+        <p:txBody>
+          <a:bodyPr>
+            <a:normAutofit/>
+          </a:bodyPr>
+          <a:lstStyle/>
+          <a:p>
+            <a:r>
+              <a:rPr lang="en-US" sz="3600" dirty="0"/>
+              <a:t>Recap </a:t>
+            </a:r>
+          </a:p>
+        </p:txBody>
+      </p:sp>
+      <p:sp>
+        <p:nvSpPr>
+          <p:cNvPr id="3" name="Content Placeholder 2"/>
+          <p:cNvSpPr>
+            <a:spLocks noGrp="1"/>
+          </p:cNvSpPr>
+          <p:nvPr>
+            <p:ph idx="1"/>
+          </p:nvPr>
+        </p:nvSpPr>
+        <p:spPr>
+          <a:xfrm>
+            <a:off x="838200" y="1558212"/>
+            <a:ext cx="10515600" cy="4618751"/>
+          </a:xfrm>
+        </p:spPr>
+        <p:txBody>
+          <a:bodyPr>
+            <a:normAutofit/>
+          </a:bodyPr>
+          <a:lstStyle/>
+          <a:p>
+            <a:pPr>
+              <a:buFont typeface="Wingdings" panose="05000000000000000000" pitchFamily="2" charset="2"/>
+              <a:buChar char="§"/>
+            </a:pPr>
+            <a:r>
+              <a:rPr lang="en-US" sz="2000" dirty="0"/>
+              <a:t>Principles – Software design principles represent a set of guidelines that allow us to create high quality object-oriented designs</a:t>
+            </a:r>
+          </a:p>
+          <a:p>
+            <a:pPr marL="285750" indent="-285750">
+              <a:spcBef>
+                <a:spcPts val="1800"/>
+              </a:spcBef>
+              <a:buFont typeface="Wingdings" panose="05000000000000000000" pitchFamily="2" charset="2"/>
+              <a:buChar char="§"/>
+            </a:pPr>
+            <a:r>
+              <a:rPr lang="en-US" sz="2000" dirty="0"/>
+              <a:t>Design characteristics to avoid include Rigidity, Fragility, and Immobility</a:t>
+            </a:r>
+          </a:p>
+          <a:p>
+            <a:pPr marL="285750" indent="-285750">
+              <a:spcBef>
+                <a:spcPts val="1800"/>
+              </a:spcBef>
+              <a:buFont typeface="Wingdings" panose="05000000000000000000" pitchFamily="2" charset="2"/>
+              <a:buChar char="§"/>
+            </a:pPr>
+            <a:r>
+              <a:rPr lang="en-US" sz="2000" dirty="0"/>
+              <a:t>The prevalence of Agile development has made design Principles even more important</a:t>
+            </a:r>
+          </a:p>
+          <a:p>
+            <a:pPr>
+              <a:spcBef>
+                <a:spcPts val="1800"/>
+              </a:spcBef>
+              <a:buFont typeface="Wingdings" panose="05000000000000000000" pitchFamily="2" charset="2"/>
+              <a:buChar char="§"/>
+            </a:pPr>
+            <a:r>
+              <a:rPr lang="en-US" sz="2000" dirty="0"/>
+              <a:t>Key design Principles include:</a:t>
+            </a:r>
+          </a:p>
+          <a:p>
+            <a:pPr lvl="1">
+              <a:spcBef>
+                <a:spcPts val="1800"/>
+              </a:spcBef>
+              <a:buFont typeface="Wingdings" panose="05000000000000000000" pitchFamily="2" charset="2"/>
+              <a:buChar char="ü"/>
+            </a:pPr>
+            <a:r>
+              <a:rPr lang="en-US" sz="1600" dirty="0"/>
+              <a:t>Single-Responsibility Principle</a:t>
+            </a:r>
+          </a:p>
+          <a:p>
+            <a:pPr lvl="1">
+              <a:spcBef>
+                <a:spcPts val="1800"/>
+              </a:spcBef>
+              <a:buFont typeface="Wingdings" panose="05000000000000000000" pitchFamily="2" charset="2"/>
+              <a:buChar char="ü"/>
+            </a:pPr>
+            <a:r>
+              <a:rPr lang="en-US" sz="1600" dirty="0"/>
+              <a:t>Open-Closed Principle</a:t>
+            </a:r>
+          </a:p>
+          <a:p>
+            <a:pPr lvl="1">
+              <a:spcBef>
+                <a:spcPts val="1800"/>
+              </a:spcBef>
+              <a:buFont typeface="Wingdings" panose="05000000000000000000" pitchFamily="2" charset="2"/>
+              <a:buChar char="ü"/>
+            </a:pPr>
+            <a:r>
+              <a:rPr lang="en-US" sz="1600" dirty="0" err="1"/>
+              <a:t>Liskov's</a:t>
+            </a:r>
+            <a:r>
+              <a:rPr lang="en-US" sz="1600" dirty="0"/>
+              <a:t> Substitution Principle</a:t>
+            </a:r>
+          </a:p>
+          <a:p>
+            <a:pPr lvl="1">
+              <a:spcBef>
+                <a:spcPts val="1800"/>
+              </a:spcBef>
+              <a:buFont typeface="Wingdings" panose="05000000000000000000" pitchFamily="2" charset="2"/>
+              <a:buChar char="ü"/>
+            </a:pPr>
+            <a:r>
+              <a:rPr lang="en-US" sz="1600" dirty="0"/>
+              <a:t>Dependency-Inversion Principle</a:t>
+            </a:r>
+          </a:p>
+          <a:p>
+            <a:pPr lvl="1">
+              <a:spcBef>
+                <a:spcPts val="1800"/>
+              </a:spcBef>
+              <a:buFont typeface="Wingdings" panose="05000000000000000000" pitchFamily="2" charset="2"/>
+              <a:buChar char="ü"/>
+            </a:pPr>
+            <a:r>
+              <a:rPr lang="en-US" sz="1600" dirty="0"/>
+              <a:t>Interface-Segregation Principle</a:t>
+            </a:r>
+          </a:p>
+          <a:p>
+            <a:pPr marL="285750" indent="-285750">
+              <a:spcBef>
+                <a:spcPts val="1800"/>
+              </a:spcBef>
+              <a:buFont typeface="Wingdings" panose="05000000000000000000" pitchFamily="2" charset="2"/>
+              <a:buChar char="§"/>
+            </a:pPr>
+            <a:endParaRPr lang="en-US" sz="2000" dirty="0"/>
+          </a:p>
+          <a:p>
+            <a:pPr marL="285750" indent="-285750">
+              <a:spcBef>
+                <a:spcPts val="1800"/>
+              </a:spcBef>
+              <a:buFont typeface="Wingdings" panose="05000000000000000000" pitchFamily="2" charset="2"/>
+              <a:buChar char="§"/>
+            </a:pPr>
+            <a:endParaRPr lang="en-US" sz="2000" dirty="0"/>
+          </a:p>
+          <a:p>
+            <a:pPr marL="285750" indent="-285750">
+              <a:spcBef>
+                <a:spcPts val="1800"/>
+              </a:spcBef>
+              <a:buFont typeface="Wingdings" panose="05000000000000000000" pitchFamily="2" charset="2"/>
+              <a:buChar char="§"/>
+            </a:pPr>
+            <a:endParaRPr lang="en-US" sz="2000" dirty="0"/>
+          </a:p>
+        </p:txBody>
+      </p:sp>
+    </p:spTree>
+    <p:extLst>
+      <p:ext uri="{BB962C8B-B14F-4D97-AF65-F5344CB8AC3E}">
+        <p14:creationId xmlns:p14="http://schemas.microsoft.com/office/powerpoint/2010/main" val="2173577098"/>
+      </p:ext>
+    </p:extLst>
+  </p:cSld>
+  <p:clrMapOvr>
+    <a:masterClrMapping/>
+  </p:clrMapOvr>
+</p:sld>
+</file>
+
+<file path=ppt/slides/slide15.xml><?xml version="1.0" encoding="utf-8"?>
+<p:sld xmlns:a="http://schemas.openxmlformats.org/drawingml/2006/main" xmlns:r="http://schemas.openxmlformats.org/officeDocument/2006/relationships" xmlns:p="http://schemas.openxmlformats.org/presentationml/2006/main">
+  <p:cSld>
     <p:bg>
       <p:bgPr>
         <a:solidFill>
@@ -4771,36 +5727,34 @@
       </p:grpSpPr>
       <p:sp>
         <p:nvSpPr>
-          <p:cNvPr id="2" name="Title 1"/>
-          <p:cNvSpPr>
-            <a:spLocks noGrp="1"/>
-          </p:cNvSpPr>
-          <p:nvPr>
-            <p:ph type="ctrTitle"/>
+          <p:cNvPr id="2" name="Title 1">
+            <a:extLst>
+              <a:ext uri="{FF2B5EF4-FFF2-40B4-BE49-F238E27FC236}">
+                <a16:creationId xmlns:a16="http://schemas.microsoft.com/office/drawing/2014/main" id="{2A5755BE-860E-40EB-ADA6-6E82BCB49EC3}"/>
+              </a:ext>
+            </a:extLst>
+          </p:cNvPr>
+          <p:cNvSpPr>
+            <a:spLocks noGrp="1"/>
+          </p:cNvSpPr>
+          <p:nvPr>
+            <p:ph type="title"/>
           </p:nvPr>
         </p:nvSpPr>
         <p:spPr>
           <a:xfrm>
-            <a:off x="1524000" y="3051480"/>
-            <a:ext cx="9144000" cy="755040"/>
+            <a:off x="838200" y="2766218"/>
+            <a:ext cx="10515600" cy="1325563"/>
           </a:xfrm>
         </p:spPr>
         <p:txBody>
-          <a:bodyPr anchor="ctr">
-            <a:noAutofit/>
-          </a:bodyPr>
-          <a:lstStyle/>
-          <a:p>
-            <a:r>
-              <a:rPr lang="en-US" sz="4400" dirty="0"/>
-              <a:t>Friendly Conversation Topic – </a:t>
-            </a:r>
-            <a:br>
-              <a:rPr lang="en-US" sz="4400" dirty="0"/>
-            </a:br>
-            <a:r>
-              <a:rPr lang="en-US" sz="4400" dirty="0"/>
-              <a:t>Software Licensing</a:t>
+          <a:bodyPr/>
+          <a:lstStyle/>
+          <a:p>
+            <a:pPr algn="ctr"/>
+            <a:r>
+              <a:rPr lang="en-US" dirty="0"/>
+              <a:t>Files &amp; JSON</a:t>
             </a:r>
           </a:p>
         </p:txBody>
@@ -4808,7 +5762,7 @@
     </p:spTree>
     <p:extLst>
       <p:ext uri="{BB962C8B-B14F-4D97-AF65-F5344CB8AC3E}">
-        <p14:creationId xmlns:p14="http://schemas.microsoft.com/office/powerpoint/2010/main" val="782291067"/>
+        <p14:creationId xmlns:p14="http://schemas.microsoft.com/office/powerpoint/2010/main" val="3629819583"/>
       </p:ext>
     </p:extLst>
   </p:cSld>
@@ -4842,39 +5796,107 @@
             <a:spLocks noGrp="1"/>
           </p:cNvSpPr>
           <p:nvPr>
-            <p:ph type="ctrTitle"/>
+            <p:ph type="title"/>
+          </p:nvPr>
+        </p:nvSpPr>
+        <p:spPr/>
+        <p:txBody>
+          <a:bodyPr>
+            <a:normAutofit/>
+          </a:bodyPr>
+          <a:lstStyle/>
+          <a:p>
+            <a:r>
+              <a:rPr lang="en-US" sz="3600" dirty="0"/>
+              <a:t>Binary Files</a:t>
+            </a:r>
+          </a:p>
+        </p:txBody>
+      </p:sp>
+      <p:sp>
+        <p:nvSpPr>
+          <p:cNvPr id="6" name="Content Placeholder 2"/>
+          <p:cNvSpPr>
+            <a:spLocks noGrp="1"/>
+          </p:cNvSpPr>
+          <p:nvPr>
+            <p:ph idx="1"/>
           </p:nvPr>
         </p:nvSpPr>
         <p:spPr>
           <a:xfrm>
-            <a:off x="1117600" y="3051480"/>
-            <a:ext cx="9956800" cy="755040"/>
+            <a:off x="838198" y="1525772"/>
+            <a:ext cx="6349411" cy="4651191"/>
           </a:xfrm>
         </p:spPr>
         <p:txBody>
-          <a:bodyPr anchor="ctr">
-            <a:noAutofit/>
+          <a:bodyPr>
+            <a:normAutofit/>
           </a:bodyPr>
           <a:lstStyle/>
           <a:p>
-            <a:r>
-              <a:rPr lang="en-US" sz="4400" dirty="0"/>
-              <a:t>Q&amp;A: Sprint 2 Activity List </a:t>
-            </a:r>
-            <a:br>
-              <a:rPr lang="en-US" sz="4400" dirty="0"/>
-            </a:br>
-            <a:r>
-              <a:rPr lang="en-US" sz="4400" dirty="0"/>
-              <a:t>and Assignments</a:t>
-            </a:r>
-          </a:p>
-        </p:txBody>
-      </p:sp>
+            <a:pPr marL="0" indent="0">
+              <a:buNone/>
+            </a:pPr>
+            <a:r>
+              <a:rPr lang="en-US" sz="2000" dirty="0"/>
+              <a:t>A binary file is a computer file that is not a text file. The term "binary file" is often used as a term meaning "non-text file". The can be open or closed formats that are generally:</a:t>
+            </a:r>
+          </a:p>
+          <a:p>
+            <a:r>
+              <a:rPr lang="en-US" sz="2000" dirty="0"/>
+              <a:t>Fast, small, and efficient*</a:t>
+            </a:r>
+          </a:p>
+          <a:p>
+            <a:r>
+              <a:rPr lang="en-US" sz="2000" dirty="0"/>
+              <a:t>Often not very portable across applications and platforms</a:t>
+            </a:r>
+          </a:p>
+          <a:p>
+            <a:r>
+              <a:rPr lang="en-US" sz="2000" dirty="0"/>
+              <a:t>Difficult to maintain backward compatibility</a:t>
+            </a:r>
+          </a:p>
+          <a:p>
+            <a:endParaRPr lang="en-US" sz="2000" dirty="0"/>
+          </a:p>
+          <a:p>
+            <a:endParaRPr lang="en-US" sz="2000" dirty="0"/>
+          </a:p>
+        </p:txBody>
+      </p:sp>
+      <p:pic>
+        <p:nvPicPr>
+          <p:cNvPr id="3" name="Picture 2"/>
+          <p:cNvPicPr>
+            <a:picLocks noChangeAspect="1"/>
+          </p:cNvPicPr>
+          <p:nvPr/>
+        </p:nvPicPr>
+        <p:blipFill>
+          <a:blip r:embed="rId3"/>
+          <a:stretch>
+            <a:fillRect/>
+          </a:stretch>
+        </p:blipFill>
+        <p:spPr>
+          <a:xfrm>
+            <a:off x="7484656" y="1525772"/>
+            <a:ext cx="4114800" cy="3462108"/>
+          </a:xfrm>
+          <a:prstGeom prst="rect">
+            <a:avLst/>
+          </a:prstGeom>
+        </p:spPr>
+      </p:pic>
     </p:spTree>
     <p:extLst>
       <p:ext uri="{BB962C8B-B14F-4D97-AF65-F5344CB8AC3E}">
-        <p14:creationId xmlns:p14="http://schemas.microsoft.com/office/powerpoint/2010/main" val="2977409581"/>
+        <p14:creationId xmlns:p14="http://schemas.microsoft.com/office/powerpoint/2010/main" val="2213586"/>
       </p:ext>
     </p:extLst>
   </p:cSld>
@@ -4903,43 +5925,306 @@
       </p:grpSpPr>
       <p:sp>
         <p:nvSpPr>
-          <p:cNvPr id="2" name="Title 1"/>
-          <p:cNvSpPr>
-            <a:spLocks noGrp="1"/>
-          </p:cNvSpPr>
-          <p:nvPr>
-            <p:ph type="ctrTitle"/>
+          <p:cNvPr id="4" name="Title 1">
+            <a:extLst>
+              <a:ext uri="{FF2B5EF4-FFF2-40B4-BE49-F238E27FC236}">
+                <a16:creationId xmlns:a16="http://schemas.microsoft.com/office/drawing/2014/main" id="{527CE47F-3EF6-48CA-9239-E8B6E5C6B41A}"/>
+              </a:ext>
+            </a:extLst>
+          </p:cNvPr>
+          <p:cNvSpPr>
+            <a:spLocks noGrp="1"/>
+          </p:cNvSpPr>
+          <p:nvPr>
+            <p:ph type="title"/>
           </p:nvPr>
         </p:nvSpPr>
         <p:spPr>
           <a:xfrm>
-            <a:off x="1524000" y="3051480"/>
-            <a:ext cx="9144000" cy="755040"/>
+            <a:off x="838200" y="365125"/>
+            <a:ext cx="10515600" cy="1325563"/>
           </a:xfrm>
         </p:spPr>
         <p:txBody>
-          <a:bodyPr anchor="ctr">
-            <a:noAutofit/>
+          <a:bodyPr>
+            <a:normAutofit/>
           </a:bodyPr>
           <a:lstStyle/>
           <a:p>
             <a:r>
-              <a:rPr lang="en-US" sz="4400" dirty="0"/>
-              <a:t>Brief Discussion: OOP Principles</a:t>
-            </a:r>
-          </a:p>
-        </p:txBody>
-      </p:sp>
+              <a:rPr lang="en-US" sz="3600" dirty="0">
+                <a:latin typeface="+mn-lt"/>
+              </a:rPr>
+              <a:t>Recall: Text File Encoding Standards</a:t>
+            </a:r>
+          </a:p>
+        </p:txBody>
+      </p:sp>
+      <p:sp>
+        <p:nvSpPr>
+          <p:cNvPr id="5" name="Content Placeholder 2">
+            <a:extLst>
+              <a:ext uri="{FF2B5EF4-FFF2-40B4-BE49-F238E27FC236}">
+                <a16:creationId xmlns:a16="http://schemas.microsoft.com/office/drawing/2014/main" id="{E8F0EA9A-219C-40FD-AE36-784EE1B77D56}"/>
+              </a:ext>
+            </a:extLst>
+          </p:cNvPr>
+          <p:cNvSpPr>
+            <a:spLocks noGrp="1"/>
+          </p:cNvSpPr>
+          <p:nvPr>
+            <p:ph idx="1"/>
+          </p:nvPr>
+        </p:nvSpPr>
+        <p:spPr>
+          <a:xfrm>
+            <a:off x="838200" y="1553528"/>
+            <a:ext cx="10515599" cy="5075871"/>
+          </a:xfrm>
+        </p:spPr>
+        <p:txBody>
+          <a:bodyPr>
+            <a:normAutofit/>
+          </a:bodyPr>
+          <a:lstStyle/>
+          <a:p>
+            <a:pPr marL="0" indent="0">
+              <a:spcAft>
+                <a:spcPts val="600"/>
+              </a:spcAft>
+              <a:buNone/>
+            </a:pPr>
+            <a:r>
+              <a:rPr lang="en-US" sz="2000" dirty="0"/>
+              <a:t>ASCII</a:t>
+            </a:r>
+          </a:p>
+          <a:p>
+            <a:pPr marL="0" indent="0">
+              <a:spcAft>
+                <a:spcPts val="600"/>
+              </a:spcAft>
+              <a:buNone/>
+            </a:pPr>
+            <a:r>
+              <a:rPr lang="en-US" sz="2000" dirty="0"/>
+              <a:t>Unicode</a:t>
+            </a:r>
+          </a:p>
+          <a:p>
+            <a:pPr marL="0" indent="0">
+              <a:spcAft>
+                <a:spcPts val="600"/>
+              </a:spcAft>
+              <a:buNone/>
+            </a:pPr>
+            <a:r>
+              <a:rPr lang="en-US" sz="2000" dirty="0"/>
+              <a:t>UTF-8</a:t>
+            </a:r>
+          </a:p>
+          <a:p>
+            <a:pPr marL="0" indent="0">
+              <a:spcAft>
+                <a:spcPts val="600"/>
+              </a:spcAft>
+              <a:buNone/>
+            </a:pPr>
+            <a:r>
+              <a:rPr lang="en-US" sz="2000" dirty="0"/>
+              <a:t>Others</a:t>
+            </a:r>
+          </a:p>
+          <a:p>
+            <a:pPr marL="0" indent="0">
+              <a:spcAft>
+                <a:spcPts val="600"/>
+              </a:spcAft>
+              <a:buNone/>
+            </a:pPr>
+            <a:endParaRPr lang="en-US" sz="2000" dirty="0"/>
+          </a:p>
+          <a:p>
+            <a:pPr marL="0" indent="0">
+              <a:spcAft>
+                <a:spcPts val="600"/>
+              </a:spcAft>
+              <a:buNone/>
+            </a:pPr>
+            <a:endParaRPr lang="en-US" sz="2000" dirty="0"/>
+          </a:p>
+          <a:p>
+            <a:pPr marL="0" indent="0">
+              <a:spcAft>
+                <a:spcPts val="600"/>
+              </a:spcAft>
+              <a:buNone/>
+            </a:pPr>
+            <a:endParaRPr lang="en-US" sz="2000" dirty="0"/>
+          </a:p>
+        </p:txBody>
+      </p:sp>
+      <p:pic>
+        <p:nvPicPr>
+          <p:cNvPr id="8" name="Picture 7">
+            <a:extLst>
+              <a:ext uri="{FF2B5EF4-FFF2-40B4-BE49-F238E27FC236}">
+                <a16:creationId xmlns:a16="http://schemas.microsoft.com/office/drawing/2014/main" id="{6D419FF6-75F8-44B2-AFA4-ECF14FB72582}"/>
+              </a:ext>
+            </a:extLst>
+          </p:cNvPr>
+          <p:cNvPicPr>
+            <a:picLocks noChangeAspect="1"/>
+          </p:cNvPicPr>
+          <p:nvPr/>
+        </p:nvPicPr>
+        <p:blipFill>
+          <a:blip r:embed="rId3"/>
+          <a:stretch>
+            <a:fillRect/>
+          </a:stretch>
+        </p:blipFill>
+        <p:spPr>
+          <a:xfrm>
+            <a:off x="3295649" y="1868804"/>
+            <a:ext cx="6848476" cy="4040601"/>
+          </a:xfrm>
+          <a:prstGeom prst="rect">
+            <a:avLst/>
+          </a:prstGeom>
+        </p:spPr>
+      </p:pic>
     </p:spTree>
     <p:extLst>
       <p:ext uri="{BB962C8B-B14F-4D97-AF65-F5344CB8AC3E}">
-        <p14:creationId xmlns:p14="http://schemas.microsoft.com/office/powerpoint/2010/main" val="2629364624"/>
+        <p14:creationId xmlns:p14="http://schemas.microsoft.com/office/powerpoint/2010/main" val="4197989835"/>
       </p:ext>
     </p:extLst>
   </p:cSld>
   <p:clrMapOvr>
     <a:masterClrMapping/>
   </p:clrMapOvr>
+  <p:timing>
+    <p:tnLst>
+      <p:par>
+        <p:cTn id="1" dur="indefinite" restart="never" nodeType="tmRoot">
+          <p:childTnLst>
+            <p:seq concurrent="1" nextAc="seek">
+              <p:cTn id="2" dur="indefinite" nodeType="mainSeq">
+                <p:childTnLst>
+                  <p:par>
+                    <p:cTn id="3" fill="hold">
+                      <p:stCondLst>
+                        <p:cond delay="indefinite"/>
+                      </p:stCondLst>
+                      <p:childTnLst>
+                        <p:par>
+                          <p:cTn id="4" fill="hold">
+                            <p:stCondLst>
+                              <p:cond delay="0"/>
+                            </p:stCondLst>
+                            <p:childTnLst>
+                              <p:par>
+                                <p:cTn id="5" presetID="2" presetClass="entr" presetSubtype="4" fill="hold" nodeType="clickEffect">
+                                  <p:stCondLst>
+                                    <p:cond delay="0"/>
+                                  </p:stCondLst>
+                                  <p:childTnLst>
+                                    <p:set>
+                                      <p:cBhvr>
+                                        <p:cTn id="6" dur="1" fill="hold">
+                                          <p:stCondLst>
+                                            <p:cond delay="0"/>
+                                          </p:stCondLst>
+                                        </p:cTn>
+                                        <p:tgtEl>
+                                          <p:spTgt spid="8"/>
+                                        </p:tgtEl>
+                                        <p:attrNameLst>
+                                          <p:attrName>style.visibility</p:attrName>
+                                        </p:attrNameLst>
+                                      </p:cBhvr>
+                                      <p:to>
+                                        <p:strVal val="visible"/>
+                                      </p:to>
+                                    </p:set>
+                                    <p:anim calcmode="lin" valueType="num">
+                                      <p:cBhvr additive="base">
+                                        <p:cTn id="7" dur="500" fill="hold"/>
+                                        <p:tgtEl>
+                                          <p:spTgt spid="8"/>
+                                        </p:tgtEl>
+                                        <p:attrNameLst>
+                                          <p:attrName>ppt_x</p:attrName>
+                                        </p:attrNameLst>
+                                      </p:cBhvr>
+                                      <p:tavLst>
+                                        <p:tav tm="0">
+                                          <p:val>
+                                            <p:strVal val="#ppt_x"/>
+                                          </p:val>
+                                        </p:tav>
+                                        <p:tav tm="100000">
+                                          <p:val>
+                                            <p:strVal val="#ppt_x"/>
+                                          </p:val>
+                                        </p:tav>
+                                      </p:tavLst>
+                                    </p:anim>
+                                    <p:anim calcmode="lin" valueType="num">
+                                      <p:cBhvr additive="base">
+                                        <p:cTn id="8" dur="500" fill="hold"/>
+                                        <p:tgtEl>
+                                          <p:spTgt spid="8"/>
+                                        </p:tgtEl>
+                                        <p:attrNameLst>
+                                          <p:attrName>ppt_y</p:attrName>
+                                        </p:attrNameLst>
+                                      </p:cBhvr>
+                                      <p:tavLst>
+                                        <p:tav tm="0">
+                                          <p:val>
+                                            <p:strVal val="1+#ppt_h/2"/>
+                                          </p:val>
+                                        </p:tav>
+                                        <p:tav tm="100000">
+                                          <p:val>
+                                            <p:strVal val="#ppt_y"/>
+                                          </p:val>
+                                        </p:tav>
+                                      </p:tavLst>
+                                    </p:anim>
+                                  </p:childTnLst>
+                                </p:cTn>
+                              </p:par>
+                            </p:childTnLst>
+                          </p:cTn>
+                        </p:par>
+                      </p:childTnLst>
+                    </p:cTn>
+                  </p:par>
+                </p:childTnLst>
+              </p:cTn>
+              <p:prevCondLst>
+                <p:cond evt="onPrev" delay="0">
+                  <p:tgtEl>
+                    <p:sldTgt/>
+                  </p:tgtEl>
+                </p:cond>
+              </p:prevCondLst>
+              <p:nextCondLst>
+                <p:cond evt="onNext" delay="0">
+                  <p:tgtEl>
+                    <p:sldTgt/>
+                  </p:tgtEl>
+                </p:cond>
+              </p:nextCondLst>
+            </p:seq>
+          </p:childTnLst>
+        </p:cTn>
+      </p:par>
+    </p:tnLst>
+  </p:timing>
 </p:sld>
 </file>
 
@@ -4962,7 +6247,13 @@
       </p:grpSpPr>
       <p:sp>
         <p:nvSpPr>
-          <p:cNvPr id="2" name="Title 1"/>
+          <p:cNvPr id="4" name="Title 1">
+            <a:extLst>
+              <a:ext uri="{FF2B5EF4-FFF2-40B4-BE49-F238E27FC236}">
+                <a16:creationId xmlns:a16="http://schemas.microsoft.com/office/drawing/2014/main" id="{527CE47F-3EF6-48CA-9239-E8B6E5C6B41A}"/>
+              </a:ext>
+            </a:extLst>
+          </p:cNvPr>
           <p:cNvSpPr>
             <a:spLocks noGrp="1"/>
           </p:cNvSpPr>
@@ -4973,7 +6264,7 @@
         <p:spPr>
           <a:xfrm>
             <a:off x="838200" y="365125"/>
-            <a:ext cx="10515600" cy="1193087"/>
+            <a:ext cx="10515600" cy="1325563"/>
           </a:xfrm>
         </p:spPr>
         <p:txBody>
@@ -4982,16 +6273,27 @@
           </a:bodyPr>
           <a:lstStyle/>
           <a:p>
+            <a:pPr>
+              <a:spcAft>
+                <a:spcPts val="600"/>
+              </a:spcAft>
+            </a:pPr>
             <a:r>
               <a:rPr lang="en-US" sz="3600" dirty="0"/>
-              <a:t>Recap </a:t>
-            </a:r>
-          </a:p>
-        </p:txBody>
-      </p:sp>
-      <p:sp>
-        <p:nvSpPr>
-          <p:cNvPr id="3" name="Content Placeholder 2"/>
+              <a:t>Recall: Text File End-Of-Line (EOL) and Encoding</a:t>
+            </a:r>
+          </a:p>
+        </p:txBody>
+      </p:sp>
+      <p:sp>
+        <p:nvSpPr>
+          <p:cNvPr id="5" name="Content Placeholder 2">
+            <a:extLst>
+              <a:ext uri="{FF2B5EF4-FFF2-40B4-BE49-F238E27FC236}">
+                <a16:creationId xmlns:a16="http://schemas.microsoft.com/office/drawing/2014/main" id="{E8F0EA9A-219C-40FD-AE36-784EE1B77D56}"/>
+              </a:ext>
+            </a:extLst>
+          </p:cNvPr>
           <p:cNvSpPr>
             <a:spLocks noGrp="1"/>
           </p:cNvSpPr>
@@ -5001,8 +6303,8 @@
         </p:nvSpPr>
         <p:spPr>
           <a:xfrm>
-            <a:off x="838200" y="1558212"/>
-            <a:ext cx="10515600" cy="4618751"/>
+            <a:off x="838201" y="1524953"/>
+            <a:ext cx="10515599" cy="5075871"/>
           </a:xfrm>
         </p:spPr>
         <p:txBody>
@@ -5011,151 +6313,97 @@
           </a:bodyPr>
           <a:lstStyle/>
           <a:p>
-            <a:pPr>
-              <a:buFont typeface="Wingdings" panose="05000000000000000000" pitchFamily="2" charset="2"/>
-              <a:buChar char="§"/>
+            <a:pPr marL="0" indent="0">
+              <a:spcAft>
+                <a:spcPts val="600"/>
+              </a:spcAft>
+              <a:buNone/>
             </a:pPr>
             <a:r>
               <a:rPr lang="en-US" sz="2000" dirty="0"/>
-              <a:t>Principles – Software design principles represent a set of guidelines that allow us to create high quality object-oriented designs</a:t>
-            </a:r>
-          </a:p>
-          <a:p>
-            <a:pPr marL="285750" indent="-285750">
-              <a:spcBef>
-                <a:spcPts val="1800"/>
-              </a:spcBef>
-              <a:buFont typeface="Wingdings" panose="05000000000000000000" pitchFamily="2" charset="2"/>
-              <a:buChar char="§"/>
-            </a:pPr>
-            <a:r>
-              <a:rPr lang="en-US" sz="2000" dirty="0"/>
-              <a:t>Design characteristics to avoid include Rigidity, Fragility, and Immobility</a:t>
-            </a:r>
-          </a:p>
-          <a:p>
-            <a:pPr marL="285750" indent="-285750">
-              <a:spcBef>
-                <a:spcPts val="1800"/>
-              </a:spcBef>
-              <a:buFont typeface="Wingdings" panose="05000000000000000000" pitchFamily="2" charset="2"/>
-              <a:buChar char="§"/>
-            </a:pPr>
-            <a:r>
-              <a:rPr lang="en-US" sz="2000" dirty="0"/>
-              <a:t>The prevalence of Agile development has made design Principles even more important</a:t>
-            </a:r>
-          </a:p>
-          <a:p>
-            <a:pPr>
-              <a:spcBef>
-                <a:spcPts val="1800"/>
-              </a:spcBef>
-              <a:buFont typeface="Wingdings" panose="05000000000000000000" pitchFamily="2" charset="2"/>
-              <a:buChar char="§"/>
-            </a:pPr>
-            <a:r>
-              <a:rPr lang="en-US" sz="2000" dirty="0"/>
-              <a:t>Key design Principles include:</a:t>
-            </a:r>
-          </a:p>
-          <a:p>
-            <a:pPr lvl="1">
-              <a:spcBef>
-                <a:spcPts val="1800"/>
-              </a:spcBef>
-              <a:buFont typeface="Wingdings" panose="05000000000000000000" pitchFamily="2" charset="2"/>
-              <a:buChar char="ü"/>
-            </a:pPr>
-            <a:r>
-              <a:rPr lang="en-US" sz="1600" dirty="0"/>
-              <a:t>Single-Responsibility Principle</a:t>
-            </a:r>
-          </a:p>
-          <a:p>
-            <a:pPr lvl="1">
-              <a:spcBef>
-                <a:spcPts val="1800"/>
-              </a:spcBef>
-              <a:buFont typeface="Wingdings" panose="05000000000000000000" pitchFamily="2" charset="2"/>
-              <a:buChar char="ü"/>
-            </a:pPr>
-            <a:r>
-              <a:rPr lang="en-US" sz="1600" dirty="0"/>
-              <a:t>Open-Closed Principle</a:t>
-            </a:r>
-          </a:p>
-          <a:p>
-            <a:pPr lvl="1">
-              <a:spcBef>
-                <a:spcPts val="1800"/>
-              </a:spcBef>
-              <a:buFont typeface="Wingdings" panose="05000000000000000000" pitchFamily="2" charset="2"/>
-              <a:buChar char="ü"/>
-            </a:pPr>
-            <a:r>
-              <a:rPr lang="en-US" sz="1600" dirty="0" err="1"/>
-              <a:t>Liskov's</a:t>
-            </a:r>
-            <a:r>
-              <a:rPr lang="en-US" sz="1600" dirty="0"/>
-              <a:t> Substitution Principle</a:t>
-            </a:r>
-          </a:p>
-          <a:p>
-            <a:pPr lvl="1">
-              <a:spcBef>
-                <a:spcPts val="1800"/>
-              </a:spcBef>
-              <a:buFont typeface="Wingdings" panose="05000000000000000000" pitchFamily="2" charset="2"/>
-              <a:buChar char="ü"/>
-            </a:pPr>
-            <a:r>
-              <a:rPr lang="en-US" sz="1600" dirty="0"/>
-              <a:t>Dependency-Inversion Principle</a:t>
-            </a:r>
-          </a:p>
-          <a:p>
-            <a:pPr lvl="1">
-              <a:spcBef>
-                <a:spcPts val="1800"/>
-              </a:spcBef>
-              <a:buFont typeface="Wingdings" panose="05000000000000000000" pitchFamily="2" charset="2"/>
-              <a:buChar char="ü"/>
-            </a:pPr>
-            <a:r>
-              <a:rPr lang="en-US" sz="1600" dirty="0"/>
-              <a:t>Interface-Segregation Principle</a:t>
-            </a:r>
-          </a:p>
-          <a:p>
-            <a:pPr marL="285750" indent="-285750">
-              <a:spcBef>
-                <a:spcPts val="1800"/>
-              </a:spcBef>
-              <a:buFont typeface="Wingdings" panose="05000000000000000000" pitchFamily="2" charset="2"/>
-              <a:buChar char="§"/>
+              <a:t>Industry adoption of end-of-line encoding includes: </a:t>
+            </a:r>
+          </a:p>
+          <a:p>
+            <a:pPr marL="0" indent="0">
+              <a:spcAft>
+                <a:spcPts val="600"/>
+              </a:spcAft>
+              <a:buNone/>
             </a:pPr>
             <a:endParaRPr lang="en-US" sz="2000" dirty="0"/>
           </a:p>
           <a:p>
-            <a:pPr marL="285750" indent="-285750">
-              <a:spcBef>
-                <a:spcPts val="1800"/>
-              </a:spcBef>
-              <a:buFont typeface="Wingdings" panose="05000000000000000000" pitchFamily="2" charset="2"/>
-              <a:buChar char="§"/>
+            <a:pPr marL="0" indent="0">
+              <a:spcAft>
+                <a:spcPts val="600"/>
+              </a:spcAft>
+              <a:buNone/>
+            </a:pPr>
+            <a:r>
+              <a:rPr lang="en-US" sz="2000" dirty="0"/>
+              <a:t>Windows: 	Both Carriage Return (CR, \r, 0x0d) and Line Feed (LF, \n, 0x0a) together.</a:t>
+            </a:r>
+          </a:p>
+          <a:p>
+            <a:pPr marL="0" indent="0">
+              <a:spcAft>
+                <a:spcPts val="600"/>
+              </a:spcAft>
+              <a:buNone/>
+            </a:pPr>
+            <a:r>
+              <a:rPr lang="en-US" sz="2000" dirty="0"/>
+              <a:t>Unix/Linux/OSX: 	Just Line Feed (LF, \n, 0x0a)</a:t>
+            </a:r>
+          </a:p>
+          <a:p>
+            <a:pPr marL="0" indent="0">
+              <a:spcAft>
+                <a:spcPts val="600"/>
+              </a:spcAft>
+              <a:buNone/>
+            </a:pPr>
+            <a:r>
+              <a:rPr lang="en-US" sz="2000" dirty="0"/>
+              <a:t>Mac (pre-OSX): 	Just Carriage Return (CR, \r, 0x0d)</a:t>
+            </a:r>
+          </a:p>
+          <a:p>
+            <a:pPr marL="0" indent="0">
+              <a:spcAft>
+                <a:spcPts val="600"/>
+              </a:spcAft>
+              <a:buNone/>
             </a:pPr>
             <a:endParaRPr lang="en-US" sz="2000" dirty="0"/>
           </a:p>
           <a:p>
-            <a:pPr marL="285750" indent="-285750">
-              <a:spcBef>
-                <a:spcPts val="1800"/>
-              </a:spcBef>
-              <a:buFont typeface="Wingdings" panose="05000000000000000000" pitchFamily="2" charset="2"/>
-              <a:buChar char="§"/>
+            <a:pPr marL="0" indent="0">
+              <a:spcAft>
+                <a:spcPts val="600"/>
+              </a:spcAft>
+              <a:buNone/>
             </a:pPr>
+            <a:endParaRPr lang="en-US" sz="2000" dirty="0"/>
+          </a:p>
+          <a:p>
+            <a:pPr marL="0" indent="0">
+              <a:spcAft>
+                <a:spcPts val="600"/>
+              </a:spcAft>
+              <a:buNone/>
+            </a:pPr>
+            <a:r>
+              <a:rPr lang="en-US" sz="2000" dirty="0"/>
+              <a:t>Article on Windows Notepad supporting non-Windows EOF conventions </a:t>
+            </a:r>
+            <a:r>
+              <a:rPr lang="en-US" sz="2000" dirty="0">
+                <a:hlinkClick r:id="rId3"/>
+              </a:rPr>
+              <a:t>[link]</a:t>
+            </a:r>
             <a:endParaRPr lang="en-US" sz="2000" dirty="0"/>
           </a:p>
         </p:txBody>
@@ -5163,7 +6411,7 @@
     </p:spTree>
     <p:extLst>
       <p:ext uri="{BB962C8B-B14F-4D97-AF65-F5344CB8AC3E}">
-        <p14:creationId xmlns:p14="http://schemas.microsoft.com/office/powerpoint/2010/main" val="2173577098"/>
+        <p14:creationId xmlns:p14="http://schemas.microsoft.com/office/powerpoint/2010/main" val="913525037"/>
       </p:ext>
     </p:extLst>
   </p:cSld>
@@ -5192,10 +6440,10 @@
       </p:grpSpPr>
       <p:sp>
         <p:nvSpPr>
-          <p:cNvPr id="2" name="Title 1">
-            <a:extLst>
-              <a:ext uri="{FF2B5EF4-FFF2-40B4-BE49-F238E27FC236}">
-                <a16:creationId xmlns:a16="http://schemas.microsoft.com/office/drawing/2014/main" id="{2A5755BE-860E-40EB-ADA6-6E82BCB49EC3}"/>
+          <p:cNvPr id="4" name="Title 1">
+            <a:extLst>
+              <a:ext uri="{FF2B5EF4-FFF2-40B4-BE49-F238E27FC236}">
+                <a16:creationId xmlns:a16="http://schemas.microsoft.com/office/drawing/2014/main" id="{527CE47F-3EF6-48CA-9239-E8B6E5C6B41A}"/>
               </a:ext>
             </a:extLst>
           </p:cNvPr>
@@ -5204,40 +6452,12 @@
           </p:cNvSpPr>
           <p:nvPr>
             <p:ph type="title"/>
-          </p:nvPr>
-        </p:nvSpPr>
-        <p:spPr/>
-        <p:txBody>
-          <a:bodyPr/>
-          <a:lstStyle/>
-          <a:p>
-            <a:r>
-              <a:rPr lang="en-US" dirty="0"/>
-              <a:t>Assignment</a:t>
-            </a:r>
-          </a:p>
-        </p:txBody>
-      </p:sp>
-      <p:sp>
-        <p:nvSpPr>
-          <p:cNvPr id="3" name="Content Placeholder 2">
-            <a:extLst>
-              <a:ext uri="{FF2B5EF4-FFF2-40B4-BE49-F238E27FC236}">
-                <a16:creationId xmlns:a16="http://schemas.microsoft.com/office/drawing/2014/main" id="{72EF5DE0-5958-4171-A9E3-3D288A31AC3F}"/>
-              </a:ext>
-            </a:extLst>
-          </p:cNvPr>
-          <p:cNvSpPr>
-            <a:spLocks noGrp="1"/>
-          </p:cNvSpPr>
-          <p:nvPr>
-            <p:ph idx="1"/>
           </p:nvPr>
         </p:nvSpPr>
         <p:spPr>
           <a:xfrm>
-            <a:off x="838200" y="1654444"/>
-            <a:ext cx="10515600" cy="4522519"/>
+            <a:off x="838200" y="365125"/>
+            <a:ext cx="10515600" cy="1325563"/>
           </a:xfrm>
         </p:spPr>
         <p:txBody>
@@ -5246,35 +6466,141 @@
           </a:bodyPr>
           <a:lstStyle/>
           <a:p>
+            <a:pPr>
+              <a:spcAft>
+                <a:spcPts val="600"/>
+              </a:spcAft>
+            </a:pPr>
+            <a:r>
+              <a:rPr lang="en-US" sz="3600" dirty="0"/>
+              <a:t>Special Types of Text Files</a:t>
+            </a:r>
+          </a:p>
+        </p:txBody>
+      </p:sp>
+      <p:sp>
+        <p:nvSpPr>
+          <p:cNvPr id="5" name="Content Placeholder 2">
+            <a:extLst>
+              <a:ext uri="{FF2B5EF4-FFF2-40B4-BE49-F238E27FC236}">
+                <a16:creationId xmlns:a16="http://schemas.microsoft.com/office/drawing/2014/main" id="{E8F0EA9A-219C-40FD-AE36-784EE1B77D56}"/>
+              </a:ext>
+            </a:extLst>
+          </p:cNvPr>
+          <p:cNvSpPr>
+            <a:spLocks noGrp="1"/>
+          </p:cNvSpPr>
+          <p:nvPr>
+            <p:ph idx="1"/>
+          </p:nvPr>
+        </p:nvSpPr>
+        <p:spPr>
+          <a:xfrm>
+            <a:off x="838201" y="1524953"/>
+            <a:ext cx="10515599" cy="5075871"/>
+          </a:xfrm>
+        </p:spPr>
+        <p:txBody>
+          <a:bodyPr>
+            <a:normAutofit/>
+          </a:bodyPr>
+          <a:lstStyle/>
+          <a:p>
             <a:pPr marL="0" indent="0">
+              <a:spcAft>
+                <a:spcPts val="600"/>
+              </a:spcAft>
               <a:buNone/>
             </a:pPr>
             <a:r>
               <a:rPr lang="en-US" sz="2000" dirty="0"/>
-              <a:t>Complete all items on the Activities List with the possible exceptions of the Programming Assignment and Quiz. You should have a solid start on both items, but it is okay if you need to spend time over the weekend to complete them.</a:t>
+              <a:t>Most programming is made up of different types of Text Files including: </a:t>
             </a:r>
           </a:p>
           <a:p>
             <a:pPr marL="0" indent="0">
+              <a:spcAft>
+                <a:spcPts val="600"/>
+              </a:spcAft>
               <a:buNone/>
             </a:pPr>
             <a:endParaRPr lang="en-US" sz="2000" dirty="0"/>
           </a:p>
           <a:p>
             <a:pPr marL="0" indent="0">
+              <a:spcAft>
+                <a:spcPts val="600"/>
+              </a:spcAft>
               <a:buNone/>
             </a:pPr>
-            <a:endParaRPr lang="en-US" sz="1800" dirty="0"/>
-          </a:p>
-          <a:p>
-            <a:endParaRPr lang="en-US" dirty="0"/>
+            <a:r>
+              <a:rPr lang="en-US" sz="2000" dirty="0"/>
+              <a:t>HTML</a:t>
+            </a:r>
+          </a:p>
+          <a:p>
+            <a:pPr marL="0" indent="0">
+              <a:spcAft>
+                <a:spcPts val="600"/>
+              </a:spcAft>
+              <a:buNone/>
+            </a:pPr>
+            <a:r>
+              <a:rPr lang="en-US" sz="2000" dirty="0"/>
+              <a:t>CSS</a:t>
+            </a:r>
+          </a:p>
+          <a:p>
+            <a:pPr marL="0" indent="0">
+              <a:spcAft>
+                <a:spcPts val="600"/>
+              </a:spcAft>
+              <a:buNone/>
+            </a:pPr>
+            <a:r>
+              <a:rPr lang="en-US" sz="2000" dirty="0"/>
+              <a:t>JavaScript… and other coding languages</a:t>
+            </a:r>
+          </a:p>
+          <a:p>
+            <a:pPr marL="0" indent="0">
+              <a:spcAft>
+                <a:spcPts val="600"/>
+              </a:spcAft>
+              <a:buNone/>
+            </a:pPr>
+            <a:r>
+              <a:rPr lang="en-US" sz="2000" dirty="0"/>
+              <a:t>XML</a:t>
+            </a:r>
+          </a:p>
+          <a:p>
+            <a:pPr marL="0" indent="0">
+              <a:spcAft>
+                <a:spcPts val="600"/>
+              </a:spcAft>
+              <a:buNone/>
+            </a:pPr>
+            <a:r>
+              <a:rPr lang="en-US" sz="2000" dirty="0"/>
+              <a:t>JSON</a:t>
+            </a:r>
+          </a:p>
+          <a:p>
+            <a:pPr marL="0" indent="0">
+              <a:spcAft>
+                <a:spcPts val="600"/>
+              </a:spcAft>
+              <a:buNone/>
+            </a:pPr>
+            <a:endParaRPr lang="en-US" sz="2000" dirty="0"/>
           </a:p>
         </p:txBody>
       </p:sp>
     </p:spTree>
     <p:extLst>
       <p:ext uri="{BB962C8B-B14F-4D97-AF65-F5344CB8AC3E}">
-        <p14:creationId xmlns:p14="http://schemas.microsoft.com/office/powerpoint/2010/main" val="1228743602"/>
+        <p14:creationId xmlns:p14="http://schemas.microsoft.com/office/powerpoint/2010/main" val="3888406399"/>
       </p:ext>
     </p:extLst>
   </p:cSld>
@@ -5301,186 +6627,107 @@
           <a:chExt cx="0" cy="0"/>
         </a:xfrm>
       </p:grpSpPr>
-      <p:sp>
-        <p:nvSpPr>
-          <p:cNvPr id="2" name="Title 1"/>
-          <p:cNvSpPr>
-            <a:spLocks noGrp="1"/>
-          </p:cNvSpPr>
-          <p:nvPr>
-            <p:ph type="title"/>
-          </p:nvPr>
-        </p:nvSpPr>
+      <p:pic>
+        <p:nvPicPr>
+          <p:cNvPr id="8" name="Picture 7"/>
+          <p:cNvPicPr>
+            <a:picLocks noChangeAspect="1"/>
+          </p:cNvPicPr>
+          <p:nvPr/>
+        </p:nvPicPr>
+        <p:blipFill>
+          <a:blip r:embed="rId3"/>
+          <a:stretch>
+            <a:fillRect/>
+          </a:stretch>
+        </p:blipFill>
         <p:spPr>
           <a:xfrm>
-            <a:off x="838200" y="365126"/>
-            <a:ext cx="10515600" cy="757272"/>
-          </a:xfrm>
-        </p:spPr>
-        <p:txBody>
-          <a:bodyPr>
-            <a:normAutofit/>
-          </a:bodyPr>
-          <a:lstStyle/>
-          <a:p>
-            <a:r>
-              <a:rPr lang="en-US" sz="3600" dirty="0"/>
-              <a:t>Lab</a:t>
-            </a:r>
-            <a:endParaRPr lang="en-US" sz="3600" b="1" i="1" u="sng" dirty="0"/>
-          </a:p>
-        </p:txBody>
-      </p:sp>
-      <p:sp>
-        <p:nvSpPr>
-          <p:cNvPr id="3" name="Content Placeholder 2"/>
-          <p:cNvSpPr>
-            <a:spLocks noGrp="1"/>
-          </p:cNvSpPr>
-          <p:nvPr>
-            <p:ph idx="1"/>
-          </p:nvPr>
-        </p:nvSpPr>
-        <p:spPr>
-          <a:xfrm>
-            <a:off x="838200" y="1122399"/>
-            <a:ext cx="10718950" cy="3104544"/>
-          </a:xfrm>
-        </p:spPr>
-        <p:txBody>
-          <a:bodyPr>
-            <a:normAutofit/>
-          </a:bodyPr>
-          <a:lstStyle/>
-          <a:p>
-            <a:pPr marL="0" indent="0">
-              <a:buNone/>
-            </a:pPr>
-            <a:r>
-              <a:rPr lang="en-US" sz="2000" dirty="0"/>
-              <a:t>As A Scrum Team:</a:t>
-            </a:r>
-          </a:p>
-          <a:p>
-            <a:pPr marL="457200" indent="-457200">
-              <a:buFont typeface="+mj-lt"/>
-              <a:buAutoNum type="arabicPeriod"/>
-            </a:pPr>
-            <a:r>
-              <a:rPr lang="en-US" sz="2000"/>
-              <a:t>Prepare and share </a:t>
-            </a:r>
-            <a:r>
-              <a:rPr lang="en-US" sz="2000" dirty="0"/>
-              <a:t>your OOP Principle or Design Characteristic </a:t>
-            </a:r>
-          </a:p>
-          <a:p>
-            <a:pPr marL="457200" indent="-457200">
-              <a:buFont typeface="+mj-lt"/>
-              <a:buAutoNum type="arabicPeriod"/>
-            </a:pPr>
-            <a:r>
-              <a:rPr lang="en-US" sz="2000" dirty="0"/>
-              <a:t>Programming Assignment 2</a:t>
-            </a:r>
-          </a:p>
-          <a:p>
-            <a:pPr marL="457200" indent="-457200">
-              <a:buFont typeface="+mj-lt"/>
-              <a:buAutoNum type="arabicPeriod"/>
-            </a:pPr>
-            <a:r>
-              <a:rPr lang="en-US" sz="2000" dirty="0"/>
-              <a:t>Team report out by Scrum Master at 2:46</a:t>
-            </a:r>
-          </a:p>
-          <a:p>
-            <a:pPr marL="0" indent="0">
-              <a:buNone/>
-            </a:pPr>
-            <a:endParaRPr lang="en-US" sz="2000" dirty="0"/>
-          </a:p>
-          <a:p>
-            <a:pPr marL="0" indent="0">
-              <a:buNone/>
-            </a:pPr>
-            <a:endParaRPr lang="en-US" sz="2000" dirty="0"/>
-          </a:p>
-          <a:p>
-            <a:pPr marL="0" indent="0">
-              <a:buNone/>
-            </a:pPr>
-            <a:endParaRPr lang="en-US" sz="2000" dirty="0"/>
-          </a:p>
-        </p:txBody>
-      </p:sp>
-      <p:sp>
-        <p:nvSpPr>
-          <p:cNvPr id="4" name="Rectangle 3">
-            <a:extLst>
-              <a:ext uri="{FF2B5EF4-FFF2-40B4-BE49-F238E27FC236}">
-                <a16:creationId xmlns:a16="http://schemas.microsoft.com/office/drawing/2014/main" id="{26BADDFD-9BE3-0244-AE69-52D2BB47696A}"/>
-              </a:ext>
-            </a:extLst>
-          </p:cNvPr>
-          <p:cNvSpPr/>
-          <p:nvPr/>
-        </p:nvSpPr>
-        <p:spPr>
-          <a:xfrm>
-            <a:off x="838200" y="4649423"/>
-            <a:ext cx="10515600" cy="1754326"/>
+            <a:off x="7484656" y="1525772"/>
+            <a:ext cx="4114800" cy="4443803"/>
           </a:xfrm>
           <a:prstGeom prst="rect">
             <a:avLst/>
           </a:prstGeom>
         </p:spPr>
-        <p:txBody>
-          <a:bodyPr wrap="square">
-            <a:spAutoFit/>
+      </p:pic>
+      <p:sp>
+        <p:nvSpPr>
+          <p:cNvPr id="2" name="Title 1"/>
+          <p:cNvSpPr>
+            <a:spLocks noGrp="1"/>
+          </p:cNvSpPr>
+          <p:nvPr>
+            <p:ph type="title"/>
+          </p:nvPr>
+        </p:nvSpPr>
+        <p:spPr/>
+        <p:txBody>
+          <a:bodyPr>
+            <a:normAutofit/>
           </a:bodyPr>
           <a:lstStyle/>
           <a:p>
             <a:r>
-              <a:rPr lang="en-US" u="sng" dirty="0"/>
-              <a:t>Team Report Out Guidelines</a:t>
-            </a:r>
-          </a:p>
-          <a:p>
-            <a:r>
-              <a:rPr lang="en-US" dirty="0"/>
-              <a:t>Scrum Master will stand up, give your name, your team name, and briefly answer the following questions:</a:t>
-            </a:r>
-          </a:p>
-          <a:p>
-            <a:pPr marL="514350" indent="-514350">
-              <a:buFont typeface="+mj-lt"/>
-              <a:buAutoNum type="alphaLcParenR"/>
+              <a:rPr lang="en-US" sz="3600" dirty="0"/>
+              <a:t>XML Example</a:t>
+            </a:r>
+          </a:p>
+        </p:txBody>
+      </p:sp>
+      <p:sp>
+        <p:nvSpPr>
+          <p:cNvPr id="6" name="Content Placeholder 2"/>
+          <p:cNvSpPr>
+            <a:spLocks noGrp="1"/>
+          </p:cNvSpPr>
+          <p:nvPr>
+            <p:ph idx="1"/>
+          </p:nvPr>
+        </p:nvSpPr>
+        <p:spPr>
+          <a:xfrm>
+            <a:off x="838198" y="1525772"/>
+            <a:ext cx="6349411" cy="4651191"/>
+          </a:xfrm>
+        </p:spPr>
+        <p:txBody>
+          <a:bodyPr>
+            <a:normAutofit/>
+          </a:bodyPr>
+          <a:lstStyle/>
+          <a:p>
+            <a:pPr marL="0" indent="0">
+              <a:buNone/>
             </a:pPr>
             <a:r>
-              <a:rPr lang="en-US" dirty="0"/>
-              <a:t>What did you accomplish since the last meeting? And what will you be working on until the next meeting?</a:t>
-            </a:r>
-          </a:p>
-          <a:p>
-            <a:pPr marL="514350" indent="-514350">
-              <a:buFont typeface="+mj-lt"/>
-              <a:buAutoNum type="alphaLcParenR"/>
-            </a:pPr>
-            <a:r>
-              <a:rPr lang="en-US" dirty="0"/>
-              <a:t>Is the team committed to completing assignments? All/Most/Some</a:t>
-            </a:r>
-          </a:p>
-          <a:p>
-            <a:pPr marL="514350" indent="-514350">
-              <a:buFont typeface="+mj-lt"/>
-              <a:buAutoNum type="alphaLcParenR"/>
-            </a:pPr>
-            <a:r>
-              <a:rPr lang="en-US" dirty="0"/>
-              <a:t>What is getting in your way or keeping you from completing the assignments?</a:t>
+              <a:rPr lang="en-US" sz="2000" dirty="0"/>
+              <a:t>In computing, XML (Extensible Markup Language) is a markup language that defines a set of rules for encoding documents in a format that is both human-readable and machine-readable. It is an open standard that:</a:t>
+            </a:r>
+            <a:endParaRPr lang="en-US" sz="2000" b="1" dirty="0"/>
+          </a:p>
+          <a:p>
+            <a:r>
+              <a:rPr lang="en-US" sz="2000" dirty="0"/>
+              <a:t>Supports nearly all development languages and platforms</a:t>
+            </a:r>
+          </a:p>
+          <a:p>
+            <a:r>
+              <a:rPr lang="en-US" sz="2000" dirty="0"/>
+              <a:t>Allows us to cross between many applications</a:t>
+            </a:r>
+          </a:p>
+          <a:p>
+            <a:r>
+              <a:rPr lang="en-US" sz="2000" dirty="0"/>
+              <a:t>Can result in large files</a:t>
+            </a:r>
+          </a:p>
+          <a:p>
+            <a:r>
+              <a:rPr lang="en-US" sz="2000" dirty="0"/>
+              <a:t>Supports schema to validate data directly</a:t>
             </a:r>
           </a:p>
         </p:txBody>
@@ -5488,7 +6735,7 @@
     </p:spTree>
     <p:extLst>
       <p:ext uri="{BB962C8B-B14F-4D97-AF65-F5344CB8AC3E}">
-        <p14:creationId xmlns:p14="http://schemas.microsoft.com/office/powerpoint/2010/main" val="3931569157"/>
+        <p14:creationId xmlns:p14="http://schemas.microsoft.com/office/powerpoint/2010/main" val="1283042556"/>
       </p:ext>
     </p:extLst>
   </p:cSld>
@@ -5515,22 +6762,41 @@
           <a:chExt cx="0" cy="0"/>
         </a:xfrm>
       </p:grpSpPr>
-      <p:sp>
-        <p:nvSpPr>
-          <p:cNvPr id="2" name="Title 1"/>
-          <p:cNvSpPr>
-            <a:spLocks noGrp="1"/>
-          </p:cNvSpPr>
-          <p:nvPr>
-            <p:ph type="title"/>
-          </p:nvPr>
-        </p:nvSpPr>
+      <p:pic>
+        <p:nvPicPr>
+          <p:cNvPr id="4" name="Picture 3"/>
+          <p:cNvPicPr>
+            <a:picLocks noChangeAspect="1"/>
+          </p:cNvPicPr>
+          <p:nvPr/>
+        </p:nvPicPr>
+        <p:blipFill>
+          <a:blip r:embed="rId3"/>
+          <a:stretch>
+            <a:fillRect/>
+          </a:stretch>
+        </p:blipFill>
         <p:spPr>
           <a:xfrm>
-            <a:off x="838200" y="365125"/>
-            <a:ext cx="10515600" cy="1193087"/>
+            <a:off x="7616101" y="925697"/>
+            <a:ext cx="4114800" cy="5361709"/>
           </a:xfrm>
+          <a:prstGeom prst="rect">
+            <a:avLst/>
+          </a:prstGeom>
         </p:spPr>
+      </p:pic>
+      <p:sp>
+        <p:nvSpPr>
+          <p:cNvPr id="2" name="Title 1"/>
+          <p:cNvSpPr>
+            <a:spLocks noGrp="1"/>
+          </p:cNvSpPr>
+          <p:nvPr>
+            <p:ph type="title"/>
+          </p:nvPr>
+        </p:nvSpPr>
+        <p:spPr/>
         <p:txBody>
           <a:bodyPr>
             <a:normAutofit/>
@@ -5539,14 +6805,14 @@
           <a:p>
             <a:r>
               <a:rPr lang="en-US" sz="3600" dirty="0"/>
-              <a:t>Recap </a:t>
-            </a:r>
-          </a:p>
-        </p:txBody>
-      </p:sp>
-      <p:sp>
-        <p:nvSpPr>
-          <p:cNvPr id="3" name="Content Placeholder 2"/>
+              <a:t>JSON Example</a:t>
+            </a:r>
+          </a:p>
+        </p:txBody>
+      </p:sp>
+      <p:sp>
+        <p:nvSpPr>
+          <p:cNvPr id="6" name="Content Placeholder 2"/>
           <p:cNvSpPr>
             <a:spLocks noGrp="1"/>
           </p:cNvSpPr>
@@ -5556,8 +6822,8 @@
         </p:nvSpPr>
         <p:spPr>
           <a:xfrm>
-            <a:off x="838200" y="1558212"/>
-            <a:ext cx="10515600" cy="4618751"/>
+            <a:off x="838198" y="1525772"/>
+            <a:ext cx="6349411" cy="4651191"/>
           </a:xfrm>
         </p:spPr>
         <p:txBody>
@@ -5566,151 +6832,34 @@
           </a:bodyPr>
           <a:lstStyle/>
           <a:p>
-            <a:pPr>
-              <a:buFont typeface="Wingdings" panose="05000000000000000000" pitchFamily="2" charset="2"/>
-              <a:buChar char="§"/>
+            <a:pPr marL="0" indent="0">
+              <a:buNone/>
             </a:pPr>
             <a:r>
               <a:rPr lang="en-US" sz="2000" dirty="0"/>
-              <a:t>Principles – Software design principles represent a set of guidelines that allow us to create high quality object-oriented designs</a:t>
-            </a:r>
-          </a:p>
-          <a:p>
-            <a:pPr marL="285750" indent="-285750">
-              <a:spcBef>
-                <a:spcPts val="1800"/>
-              </a:spcBef>
-              <a:buFont typeface="Wingdings" panose="05000000000000000000" pitchFamily="2" charset="2"/>
-              <a:buChar char="§"/>
-            </a:pPr>
+              <a:t>JSON (JavaScript Object Notation) is a lightweight data-interchange format. It is easy for humans to read and write. It is easy for machines to parse and generate. It is an open standard that:</a:t>
+            </a:r>
+            <a:endParaRPr lang="en-US" sz="2000" b="1" dirty="0"/>
+          </a:p>
+          <a:p>
             <a:r>
               <a:rPr lang="en-US" sz="2000" dirty="0"/>
-              <a:t>Design characteristics to avoid include Rigidity, Fragility, and Immobility</a:t>
-            </a:r>
-          </a:p>
-          <a:p>
-            <a:pPr marL="285750" indent="-285750">
-              <a:spcBef>
-                <a:spcPts val="1800"/>
-              </a:spcBef>
-              <a:buFont typeface="Wingdings" panose="05000000000000000000" pitchFamily="2" charset="2"/>
-              <a:buChar char="§"/>
-            </a:pPr>
+              <a:t>Supports nearly all development languages and platforms</a:t>
+            </a:r>
+          </a:p>
+          <a:p>
             <a:r>
               <a:rPr lang="en-US" sz="2000" dirty="0"/>
-              <a:t>The prevalence of Agile development has made design Principles even more important</a:t>
-            </a:r>
-          </a:p>
-          <a:p>
-            <a:pPr>
-              <a:spcBef>
-                <a:spcPts val="1800"/>
-              </a:spcBef>
-              <a:buFont typeface="Wingdings" panose="05000000000000000000" pitchFamily="2" charset="2"/>
-              <a:buChar char="§"/>
-            </a:pPr>
+              <a:t>Allows us to cross between many applications</a:t>
+            </a:r>
+          </a:p>
+          <a:p>
             <a:r>
               <a:rPr lang="en-US" sz="2000" dirty="0"/>
-              <a:t>Key design Principles include:</a:t>
-            </a:r>
-          </a:p>
-          <a:p>
-            <a:pPr lvl="1">
-              <a:spcBef>
-                <a:spcPts val="1800"/>
-              </a:spcBef>
-              <a:buFont typeface="Wingdings" panose="05000000000000000000" pitchFamily="2" charset="2"/>
-              <a:buChar char="ü"/>
-            </a:pPr>
-            <a:r>
-              <a:rPr lang="en-US" sz="1600" dirty="0"/>
-              <a:t>Single-Responsibility Principle</a:t>
-            </a:r>
-          </a:p>
-          <a:p>
-            <a:pPr lvl="1">
-              <a:spcBef>
-                <a:spcPts val="1800"/>
-              </a:spcBef>
-              <a:buFont typeface="Wingdings" panose="05000000000000000000" pitchFamily="2" charset="2"/>
-              <a:buChar char="ü"/>
-            </a:pPr>
-            <a:r>
-              <a:rPr lang="en-US" sz="1600" dirty="0"/>
-              <a:t>Open-Closed Principle</a:t>
-            </a:r>
-          </a:p>
-          <a:p>
-            <a:pPr lvl="1">
-              <a:spcBef>
-                <a:spcPts val="1800"/>
-              </a:spcBef>
-              <a:buFont typeface="Wingdings" panose="05000000000000000000" pitchFamily="2" charset="2"/>
-              <a:buChar char="ü"/>
-            </a:pPr>
-            <a:r>
-              <a:rPr lang="en-US" sz="1600" dirty="0" err="1"/>
-              <a:t>Liskov's</a:t>
-            </a:r>
-            <a:r>
-              <a:rPr lang="en-US" sz="1600" dirty="0"/>
-              <a:t> Substitution Principle</a:t>
-            </a:r>
-          </a:p>
-          <a:p>
-            <a:pPr lvl="1">
-              <a:spcBef>
-                <a:spcPts val="1800"/>
-              </a:spcBef>
-              <a:buFont typeface="Wingdings" panose="05000000000000000000" pitchFamily="2" charset="2"/>
-              <a:buChar char="ü"/>
-            </a:pPr>
-            <a:r>
-              <a:rPr lang="en-US" sz="1600" dirty="0"/>
-              <a:t>Dependency-Inversion Principle</a:t>
-            </a:r>
-          </a:p>
-          <a:p>
-            <a:pPr lvl="1">
-              <a:spcBef>
-                <a:spcPts val="1800"/>
-              </a:spcBef>
-              <a:buFont typeface="Wingdings" panose="05000000000000000000" pitchFamily="2" charset="2"/>
-              <a:buChar char="ü"/>
-            </a:pPr>
-            <a:r>
-              <a:rPr lang="en-US" sz="1600" dirty="0"/>
-              <a:t>Interface-Segregation Principle</a:t>
-            </a:r>
-          </a:p>
-          <a:p>
-            <a:pPr marL="285750" indent="-285750">
-              <a:spcBef>
-                <a:spcPts val="1800"/>
-              </a:spcBef>
-              <a:buFont typeface="Wingdings" panose="05000000000000000000" pitchFamily="2" charset="2"/>
-              <a:buChar char="§"/>
-            </a:pPr>
-            <a:endParaRPr lang="en-US" sz="2000" dirty="0"/>
-          </a:p>
-          <a:p>
-            <a:pPr marL="285750" indent="-285750">
-              <a:spcBef>
-                <a:spcPts val="1800"/>
-              </a:spcBef>
-              <a:buFont typeface="Wingdings" panose="05000000000000000000" pitchFamily="2" charset="2"/>
-              <a:buChar char="§"/>
-            </a:pPr>
-            <a:endParaRPr lang="en-US" sz="2000" dirty="0"/>
-          </a:p>
-          <a:p>
-            <a:pPr marL="285750" indent="-285750">
-              <a:spcBef>
-                <a:spcPts val="1800"/>
-              </a:spcBef>
-              <a:buFont typeface="Wingdings" panose="05000000000000000000" pitchFamily="2" charset="2"/>
-              <a:buChar char="§"/>
-            </a:pPr>
+              <a:t>Can result in large files</a:t>
+            </a:r>
+          </a:p>
+          <a:p>
             <a:endParaRPr lang="en-US" sz="2000" dirty="0"/>
           </a:p>
         </p:txBody>
@@ -5718,7 +6867,7 @@
     </p:spTree>
     <p:extLst>
       <p:ext uri="{BB962C8B-B14F-4D97-AF65-F5344CB8AC3E}">
-        <p14:creationId xmlns:p14="http://schemas.microsoft.com/office/powerpoint/2010/main" val="2503034557"/>
+        <p14:creationId xmlns:p14="http://schemas.microsoft.com/office/powerpoint/2010/main" val="2900157211"/>
       </p:ext>
     </p:extLst>
   </p:cSld>

--- a/lecture-slides/2019-09-18-oop.pptx
+++ b/lecture-slides/2019-09-18-oop.pptx
@@ -5,7 +5,7 @@
     <p:sldMasterId id="2147483648" r:id="rId1"/>
   </p:sldMasterIdLst>
   <p:notesMasterIdLst>
-    <p:notesMasterId r:id="rId17"/>
+    <p:notesMasterId r:id="rId18"/>
   </p:notesMasterIdLst>
   <p:sldIdLst>
     <p:sldId id="305" r:id="rId2"/>
@@ -21,8 +21,9 @@
     <p:sldId id="587" r:id="rId12"/>
     <p:sldId id="588" r:id="rId13"/>
     <p:sldId id="565" r:id="rId14"/>
-    <p:sldId id="368" r:id="rId15"/>
-    <p:sldId id="271" r:id="rId16"/>
+    <p:sldId id="361" r:id="rId15"/>
+    <p:sldId id="368" r:id="rId16"/>
+    <p:sldId id="271" r:id="rId17"/>
   </p:sldIdLst>
   <p:sldSz cx="12192000" cy="6858000"/>
   <p:notesSz cx="6858000" cy="9144000"/>
@@ -211,7 +212,7 @@
           <a:p>
             <a:fld id="{A677DEB0-5AA4-49C7-B0AD-AD047A002C4C}" type="datetimeFigureOut">
               <a:rPr lang="en-US" smtClean="0"/>
-              <a:t>9/18/19</a:t>
+              <a:t>9/18/2019</a:t>
             </a:fld>
             <a:endParaRPr lang="en-US"/>
           </a:p>
@@ -606,7 +607,13 @@
           <a:bodyPr/>
           <a:lstStyle/>
           <a:p>
-            <a:endParaRPr lang="en-US" sz="1100" dirty="0"/>
+            <a:r>
+              <a:rPr lang="en-US" sz="1000" dirty="0"/>
+              <a:t>Our procedural (C) implementation of BMI would be a great example of Immobility… maybe a good example of  all three of these.  </a:t>
+            </a:r>
+          </a:p>
+          <a:p>
+            <a:endParaRPr lang="en-US" sz="1000" dirty="0"/>
           </a:p>
         </p:txBody>
       </p:sp>
@@ -636,7 +643,7 @@
     </p:spTree>
     <p:extLst>
       <p:ext uri="{BB962C8B-B14F-4D97-AF65-F5344CB8AC3E}">
-        <p14:creationId xmlns:p14="http://schemas.microsoft.com/office/powerpoint/2010/main" val="3279556232"/>
+        <p14:creationId xmlns:p14="http://schemas.microsoft.com/office/powerpoint/2010/main" val="2679684889"/>
       </p:ext>
     </p:extLst>
   </p:cSld>
@@ -690,7 +697,7 @@
           <a:bodyPr/>
           <a:lstStyle/>
           <a:p>
-            <a:endParaRPr lang="en-US" dirty="0"/>
+            <a:endParaRPr lang="en-US" sz="1100" dirty="0"/>
           </a:p>
         </p:txBody>
       </p:sp>
@@ -712,6 +719,90 @@
             <a:fld id="{5394DE12-7B9B-46AA-AC19-C30A49928B9B}" type="slidenum">
               <a:rPr lang="en-US" smtClean="0"/>
               <a:t>15</a:t>
+            </a:fld>
+            <a:endParaRPr lang="en-US"/>
+          </a:p>
+        </p:txBody>
+      </p:sp>
+    </p:spTree>
+    <p:extLst>
+      <p:ext uri="{BB962C8B-B14F-4D97-AF65-F5344CB8AC3E}">
+        <p14:creationId xmlns:p14="http://schemas.microsoft.com/office/powerpoint/2010/main" val="3279556232"/>
+      </p:ext>
+    </p:extLst>
+  </p:cSld>
+  <p:clrMapOvr>
+    <a:masterClrMapping/>
+  </p:clrMapOvr>
+</p:notes>
+</file>
+
+<file path=ppt/notesSlides/notesSlide12.xml><?xml version="1.0" encoding="utf-8"?>
+<p:notes xmlns:a="http://schemas.openxmlformats.org/drawingml/2006/main" xmlns:r="http://schemas.openxmlformats.org/officeDocument/2006/relationships" xmlns:p="http://schemas.openxmlformats.org/presentationml/2006/main">
+  <p:cSld>
+    <p:spTree>
+      <p:nvGrpSpPr>
+        <p:cNvPr id="1" name=""/>
+        <p:cNvGrpSpPr/>
+        <p:nvPr/>
+      </p:nvGrpSpPr>
+      <p:grpSpPr>
+        <a:xfrm>
+          <a:off x="0" y="0"/>
+          <a:ext cx="0" cy="0"/>
+          <a:chOff x="0" y="0"/>
+          <a:chExt cx="0" cy="0"/>
+        </a:xfrm>
+      </p:grpSpPr>
+      <p:sp>
+        <p:nvSpPr>
+          <p:cNvPr id="2" name="Slide Image Placeholder 1"/>
+          <p:cNvSpPr>
+            <a:spLocks noGrp="1" noRot="1" noChangeAspect="1"/>
+          </p:cNvSpPr>
+          <p:nvPr>
+            <p:ph type="sldImg"/>
+          </p:nvPr>
+        </p:nvSpPr>
+        <p:spPr/>
+      </p:sp>
+      <p:sp>
+        <p:nvSpPr>
+          <p:cNvPr id="3" name="Notes Placeholder 2"/>
+          <p:cNvSpPr>
+            <a:spLocks noGrp="1"/>
+          </p:cNvSpPr>
+          <p:nvPr>
+            <p:ph type="body" idx="1"/>
+          </p:nvPr>
+        </p:nvSpPr>
+        <p:spPr/>
+        <p:txBody>
+          <a:bodyPr/>
+          <a:lstStyle/>
+          <a:p>
+            <a:endParaRPr lang="en-US" dirty="0"/>
+          </a:p>
+        </p:txBody>
+      </p:sp>
+      <p:sp>
+        <p:nvSpPr>
+          <p:cNvPr id="4" name="Slide Number Placeholder 3"/>
+          <p:cNvSpPr>
+            <a:spLocks noGrp="1"/>
+          </p:cNvSpPr>
+          <p:nvPr>
+            <p:ph type="sldNum" sz="quarter" idx="10"/>
+          </p:nvPr>
+        </p:nvSpPr>
+        <p:spPr/>
+        <p:txBody>
+          <a:bodyPr/>
+          <a:lstStyle/>
+          <a:p>
+            <a:fld id="{5394DE12-7B9B-46AA-AC19-C30A49928B9B}" type="slidenum">
+              <a:rPr lang="en-US" smtClean="0"/>
+              <a:t>16</a:t>
             </a:fld>
             <a:endParaRPr lang="en-US" dirty="0"/>
           </a:p>
@@ -1555,7 +1646,7 @@
           <a:p>
             <a:fld id="{1B52E0E1-344B-4E26-B5AD-CE86AB802485}" type="datetimeFigureOut">
               <a:rPr lang="en-US" smtClean="0"/>
-              <a:t>9/18/19</a:t>
+              <a:t>9/18/2019</a:t>
             </a:fld>
             <a:endParaRPr lang="en-US"/>
           </a:p>
@@ -1753,7 +1844,7 @@
           <a:p>
             <a:fld id="{1B52E0E1-344B-4E26-B5AD-CE86AB802485}" type="datetimeFigureOut">
               <a:rPr lang="en-US" smtClean="0"/>
-              <a:t>9/18/19</a:t>
+              <a:t>9/18/2019</a:t>
             </a:fld>
             <a:endParaRPr lang="en-US"/>
           </a:p>
@@ -1961,7 +2052,7 @@
           <a:p>
             <a:fld id="{1B52E0E1-344B-4E26-B5AD-CE86AB802485}" type="datetimeFigureOut">
               <a:rPr lang="en-US" smtClean="0"/>
-              <a:t>9/18/19</a:t>
+              <a:t>9/18/2019</a:t>
             </a:fld>
             <a:endParaRPr lang="en-US"/>
           </a:p>
@@ -2159,7 +2250,7 @@
           <a:p>
             <a:fld id="{1B52E0E1-344B-4E26-B5AD-CE86AB802485}" type="datetimeFigureOut">
               <a:rPr lang="en-US" smtClean="0"/>
-              <a:t>9/18/19</a:t>
+              <a:t>9/18/2019</a:t>
             </a:fld>
             <a:endParaRPr lang="en-US"/>
           </a:p>
@@ -2434,7 +2525,7 @@
           <a:p>
             <a:fld id="{1B52E0E1-344B-4E26-B5AD-CE86AB802485}" type="datetimeFigureOut">
               <a:rPr lang="en-US" smtClean="0"/>
-              <a:t>9/18/19</a:t>
+              <a:t>9/18/2019</a:t>
             </a:fld>
             <a:endParaRPr lang="en-US"/>
           </a:p>
@@ -2699,7 +2790,7 @@
           <a:p>
             <a:fld id="{1B52E0E1-344B-4E26-B5AD-CE86AB802485}" type="datetimeFigureOut">
               <a:rPr lang="en-US" smtClean="0"/>
-              <a:t>9/18/19</a:t>
+              <a:t>9/18/2019</a:t>
             </a:fld>
             <a:endParaRPr lang="en-US"/>
           </a:p>
@@ -3111,7 +3202,7 @@
           <a:p>
             <a:fld id="{1B52E0E1-344B-4E26-B5AD-CE86AB802485}" type="datetimeFigureOut">
               <a:rPr lang="en-US" smtClean="0"/>
-              <a:t>9/18/19</a:t>
+              <a:t>9/18/2019</a:t>
             </a:fld>
             <a:endParaRPr lang="en-US"/>
           </a:p>
@@ -3252,7 +3343,7 @@
           <a:p>
             <a:fld id="{1B52E0E1-344B-4E26-B5AD-CE86AB802485}" type="datetimeFigureOut">
               <a:rPr lang="en-US" smtClean="0"/>
-              <a:t>9/18/19</a:t>
+              <a:t>9/18/2019</a:t>
             </a:fld>
             <a:endParaRPr lang="en-US"/>
           </a:p>
@@ -3365,7 +3456,7 @@
           <a:p>
             <a:fld id="{1B52E0E1-344B-4E26-B5AD-CE86AB802485}" type="datetimeFigureOut">
               <a:rPr lang="en-US" smtClean="0"/>
-              <a:t>9/18/19</a:t>
+              <a:t>9/18/2019</a:t>
             </a:fld>
             <a:endParaRPr lang="en-US"/>
           </a:p>
@@ -3676,7 +3767,7 @@
           <a:p>
             <a:fld id="{1B52E0E1-344B-4E26-B5AD-CE86AB802485}" type="datetimeFigureOut">
               <a:rPr lang="en-US" smtClean="0"/>
-              <a:t>9/18/19</a:t>
+              <a:t>9/18/2019</a:t>
             </a:fld>
             <a:endParaRPr lang="en-US"/>
           </a:p>
@@ -3964,7 +4055,7 @@
           <a:p>
             <a:fld id="{1B52E0E1-344B-4E26-B5AD-CE86AB802485}" type="datetimeFigureOut">
               <a:rPr lang="en-US" smtClean="0"/>
-              <a:t>9/18/19</a:t>
+              <a:t>9/18/2019</a:t>
             </a:fld>
             <a:endParaRPr lang="en-US"/>
           </a:p>
@@ -4205,7 +4296,7 @@
           <a:p>
             <a:fld id="{1B52E0E1-344B-4E26-B5AD-CE86AB802485}" type="datetimeFigureOut">
               <a:rPr lang="en-US" smtClean="0"/>
-              <a:t>9/18/19</a:t>
+              <a:t>9/18/2019</a:t>
             </a:fld>
             <a:endParaRPr lang="en-US"/>
           </a:p>
@@ -4752,7 +4843,7 @@
             </a:pPr>
             <a:r>
               <a:rPr lang="en-US" sz="2000" dirty="0"/>
-              <a:t>Discussion: OOP Principles</a:t>
+              <a:t>Discussion: OOP Principles (Lab)</a:t>
             </a:r>
           </a:p>
           <a:p>
@@ -5162,7 +5253,7 @@
             </a:pPr>
             <a:r>
               <a:rPr lang="en-US" sz="2000" dirty="0"/>
-              <a:t>Prepare and share your OOP Principle or Design Characteristic</a:t>
+              <a:t>Review SOLID Design Principles</a:t>
             </a:r>
           </a:p>
           <a:p>
@@ -5172,7 +5263,17 @@
             </a:pPr>
             <a:r>
               <a:rPr lang="en-US" sz="2000" dirty="0"/>
-              <a:t>Review HelloWorld Plus </a:t>
+              <a:t>Prepare and share your OOP Principle or Design Characteristic including acronym </a:t>
+            </a:r>
+          </a:p>
+          <a:p>
+            <a:pPr marL="457200" indent="-457200">
+              <a:buFont typeface="+mj-lt"/>
+              <a:buAutoNum type="arabicPeriod"/>
+            </a:pPr>
+            <a:r>
+              <a:rPr lang="en-US" sz="2000" dirty="0"/>
+              <a:t>Review HelloWorld Plus upon request</a:t>
             </a:r>
           </a:p>
           <a:p>
@@ -5325,10 +5426,40 @@
             <p:ph type="title"/>
           </p:nvPr>
         </p:nvSpPr>
+        <p:spPr/>
+        <p:txBody>
+          <a:bodyPr/>
+          <a:lstStyle/>
+          <a:p>
+            <a:r>
+              <a:rPr lang="en-US" dirty="0"/>
+              <a:t>Agile Design </a:t>
+            </a:r>
+            <a:r>
+              <a:rPr lang="en-US" u="sng" dirty="0"/>
+              <a:t>Principles</a:t>
+            </a:r>
+            <a:r>
+              <a:rPr lang="en-US" dirty="0"/>
+              <a:t> </a:t>
+            </a:r>
+          </a:p>
+        </p:txBody>
+      </p:sp>
+      <p:sp>
+        <p:nvSpPr>
+          <p:cNvPr id="3" name="Content Placeholder 2"/>
+          <p:cNvSpPr>
+            <a:spLocks noGrp="1"/>
+          </p:cNvSpPr>
+          <p:nvPr>
+            <p:ph idx="1"/>
+          </p:nvPr>
+        </p:nvSpPr>
         <p:spPr>
           <a:xfrm>
-            <a:off x="838200" y="365125"/>
-            <a:ext cx="10515600" cy="1193087"/>
+            <a:off x="838200" y="1690688"/>
+            <a:ext cx="10416363" cy="1802107"/>
           </a:xfrm>
         </p:spPr>
         <p:txBody>
@@ -5337,44 +5468,76 @@
           </a:bodyPr>
           <a:lstStyle/>
           <a:p>
-            <a:r>
-              <a:rPr lang="en-US" sz="3600" dirty="0"/>
-              <a:t>Recap </a:t>
-            </a:r>
-          </a:p>
-        </p:txBody>
-      </p:sp>
-      <p:sp>
-        <p:nvSpPr>
-          <p:cNvPr id="3" name="Content Placeholder 2"/>
-          <p:cNvSpPr>
-            <a:spLocks noGrp="1"/>
-          </p:cNvSpPr>
-          <p:nvPr>
-            <p:ph idx="1"/>
-          </p:nvPr>
-        </p:nvSpPr>
+            <a:pPr marL="0" indent="0">
+              <a:buNone/>
+            </a:pPr>
+            <a:r>
+              <a:rPr lang="en-US" sz="2000" dirty="0"/>
+              <a:t>Software design principles represent a set of guidelines that allow us to create high quality object-oriented designs. The design principles are attributed to Robert Martin who gathered them in the book "Agile Software Development: Principles, Patterns, and Practices". </a:t>
+            </a:r>
+          </a:p>
+          <a:p>
+            <a:pPr marL="0" indent="0">
+              <a:buNone/>
+            </a:pPr>
+            <a:r>
+              <a:rPr lang="en-US" sz="2000" dirty="0"/>
+              <a:t>According to Robert Martin there are 3 important characteristics of a bad design that should be avoided:</a:t>
+            </a:r>
+          </a:p>
+          <a:p>
+            <a:pPr marL="0" indent="0">
+              <a:buNone/>
+            </a:pPr>
+            <a:endParaRPr lang="en-US" sz="2000" dirty="0"/>
+          </a:p>
+        </p:txBody>
+      </p:sp>
+      <p:pic>
+        <p:nvPicPr>
+          <p:cNvPr id="5" name="Picture 4"/>
+          <p:cNvPicPr>
+            <a:picLocks noChangeAspect="1"/>
+          </p:cNvPicPr>
+          <p:nvPr/>
+        </p:nvPicPr>
+        <p:blipFill>
+          <a:blip r:embed="rId3"/>
+          <a:stretch>
+            <a:fillRect/>
+          </a:stretch>
+        </p:blipFill>
         <p:spPr>
           <a:xfrm>
-            <a:off x="838200" y="1558212"/>
-            <a:ext cx="10515600" cy="4618751"/>
+            <a:off x="8541767" y="3149800"/>
+            <a:ext cx="2466223" cy="3093650"/>
           </a:xfrm>
+          <a:prstGeom prst="rect">
+            <a:avLst/>
+          </a:prstGeom>
         </p:spPr>
-        <p:txBody>
-          <a:bodyPr>
-            <a:normAutofit/>
+      </p:pic>
+      <p:sp>
+        <p:nvSpPr>
+          <p:cNvPr id="6" name="TextBox 5"/>
+          <p:cNvSpPr txBox="1"/>
+          <p:nvPr/>
+        </p:nvSpPr>
+        <p:spPr>
+          <a:xfrm>
+            <a:off x="838200" y="3450265"/>
+            <a:ext cx="7214191" cy="3000821"/>
+          </a:xfrm>
+          <a:prstGeom prst="rect">
+            <a:avLst/>
+          </a:prstGeom>
+          <a:noFill/>
+        </p:spPr>
+        <p:txBody>
+          <a:bodyPr wrap="square" rtlCol="0">
+            <a:spAutoFit/>
           </a:bodyPr>
           <a:lstStyle/>
-          <a:p>
-            <a:pPr>
-              <a:buFont typeface="Wingdings" panose="05000000000000000000" pitchFamily="2" charset="2"/>
-              <a:buChar char="§"/>
-            </a:pPr>
-            <a:r>
-              <a:rPr lang="en-US" sz="2000" dirty="0"/>
-              <a:t>Principles – Software design principles represent a set of guidelines that allow us to create high quality object-oriented designs</a:t>
-            </a:r>
-          </a:p>
           <a:p>
             <a:pPr marL="285750" indent="-285750">
               <a:spcBef>
@@ -5384,8 +5547,12 @@
               <a:buChar char="§"/>
             </a:pPr>
             <a:r>
-              <a:rPr lang="en-US" sz="2000" dirty="0"/>
-              <a:t>Design characteristics to avoid include Rigidity, Fragility, and Immobility</a:t>
+              <a:rPr lang="en-US" u="sng" dirty="0"/>
+              <a:t>Rigidity</a:t>
+            </a:r>
+            <a:r>
+              <a:rPr lang="en-US" dirty="0"/>
+              <a:t> – The system is hard to change, even to implement what seems like simple changes.</a:t>
             </a:r>
           </a:p>
           <a:p>
@@ -5397,6 +5564,158 @@
               <a:buChar char="§"/>
             </a:pPr>
             <a:r>
+              <a:rPr lang="en-US" u="sng" dirty="0"/>
+              <a:t>Fragility</a:t>
+            </a:r>
+            <a:r>
+              <a:rPr lang="en-US" dirty="0"/>
+              <a:t> – The system tends to break in many places when a single change is made. And fixing the problems tend to lead to more creates more issues.</a:t>
+            </a:r>
+          </a:p>
+          <a:p>
+            <a:pPr marL="285750" indent="-285750">
+              <a:spcBef>
+                <a:spcPts val="1800"/>
+              </a:spcBef>
+              <a:buFont typeface="Wingdings" panose="05000000000000000000" pitchFamily="2" charset="2"/>
+              <a:buChar char="§"/>
+            </a:pPr>
+            <a:r>
+              <a:rPr lang="en-US" u="sng" dirty="0"/>
+              <a:t>Immobility</a:t>
+            </a:r>
+            <a:r>
+              <a:rPr lang="en-US" dirty="0"/>
+              <a:t> – The system is hard to reuse in another application because it cannot be disentangled from the current application.</a:t>
+            </a:r>
+          </a:p>
+          <a:p>
+            <a:pPr marL="285750" indent="-285750">
+              <a:spcBef>
+                <a:spcPts val="1800"/>
+              </a:spcBef>
+              <a:buFont typeface="Wingdings" panose="05000000000000000000" pitchFamily="2" charset="2"/>
+              <a:buChar char="§"/>
+            </a:pPr>
+            <a:r>
+              <a:rPr lang="en-US" dirty="0"/>
+              <a:t>Plus Viscosity, Needless Complexity, Needless Repetition, and Opacity.</a:t>
+            </a:r>
+          </a:p>
+        </p:txBody>
+      </p:sp>
+    </p:spTree>
+    <p:extLst>
+      <p:ext uri="{BB962C8B-B14F-4D97-AF65-F5344CB8AC3E}">
+        <p14:creationId xmlns:p14="http://schemas.microsoft.com/office/powerpoint/2010/main" val="4089484443"/>
+      </p:ext>
+    </p:extLst>
+  </p:cSld>
+  <p:clrMapOvr>
+    <a:masterClrMapping/>
+  </p:clrMapOvr>
+</p:sld>
+</file>
+
+<file path=ppt/slides/slide15.xml><?xml version="1.0" encoding="utf-8"?>
+<p:sld xmlns:a="http://schemas.openxmlformats.org/drawingml/2006/main" xmlns:r="http://schemas.openxmlformats.org/officeDocument/2006/relationships" xmlns:p="http://schemas.openxmlformats.org/presentationml/2006/main">
+  <p:cSld>
+    <p:spTree>
+      <p:nvGrpSpPr>
+        <p:cNvPr id="1" name=""/>
+        <p:cNvGrpSpPr/>
+        <p:nvPr/>
+      </p:nvGrpSpPr>
+      <p:grpSpPr>
+        <a:xfrm>
+          <a:off x="0" y="0"/>
+          <a:ext cx="0" cy="0"/>
+          <a:chOff x="0" y="0"/>
+          <a:chExt cx="0" cy="0"/>
+        </a:xfrm>
+      </p:grpSpPr>
+      <p:sp>
+        <p:nvSpPr>
+          <p:cNvPr id="2" name="Title 1"/>
+          <p:cNvSpPr>
+            <a:spLocks noGrp="1"/>
+          </p:cNvSpPr>
+          <p:nvPr>
+            <p:ph type="title"/>
+          </p:nvPr>
+        </p:nvSpPr>
+        <p:spPr>
+          <a:xfrm>
+            <a:off x="838200" y="365125"/>
+            <a:ext cx="10515600" cy="1193087"/>
+          </a:xfrm>
+        </p:spPr>
+        <p:txBody>
+          <a:bodyPr>
+            <a:normAutofit/>
+          </a:bodyPr>
+          <a:lstStyle/>
+          <a:p>
+            <a:r>
+              <a:rPr lang="en-US" sz="3600" dirty="0"/>
+              <a:t>Recap </a:t>
+            </a:r>
+          </a:p>
+        </p:txBody>
+      </p:sp>
+      <p:sp>
+        <p:nvSpPr>
+          <p:cNvPr id="3" name="Content Placeholder 2"/>
+          <p:cNvSpPr>
+            <a:spLocks noGrp="1"/>
+          </p:cNvSpPr>
+          <p:nvPr>
+            <p:ph idx="1"/>
+          </p:nvPr>
+        </p:nvSpPr>
+        <p:spPr>
+          <a:xfrm>
+            <a:off x="838200" y="1558212"/>
+            <a:ext cx="10515600" cy="4618751"/>
+          </a:xfrm>
+        </p:spPr>
+        <p:txBody>
+          <a:bodyPr>
+            <a:normAutofit/>
+          </a:bodyPr>
+          <a:lstStyle/>
+          <a:p>
+            <a:pPr>
+              <a:buFont typeface="Wingdings" panose="05000000000000000000" pitchFamily="2" charset="2"/>
+              <a:buChar char="§"/>
+            </a:pPr>
+            <a:r>
+              <a:rPr lang="en-US" sz="2000" dirty="0"/>
+              <a:t>Principles – Software design principles represent a set of guidelines that allow us to create high quality object-oriented designs</a:t>
+            </a:r>
+          </a:p>
+          <a:p>
+            <a:pPr marL="285750" indent="-285750">
+              <a:spcBef>
+                <a:spcPts val="1800"/>
+              </a:spcBef>
+              <a:buFont typeface="Wingdings" panose="05000000000000000000" pitchFamily="2" charset="2"/>
+              <a:buChar char="§"/>
+            </a:pPr>
+            <a:r>
+              <a:rPr lang="en-US" sz="2000" dirty="0"/>
+              <a:t>Design characteristics to avoid include Rigidity, Fragility, and Immobility</a:t>
+            </a:r>
+          </a:p>
+          <a:p>
+            <a:pPr marL="285750" indent="-285750">
+              <a:spcBef>
+                <a:spcPts val="1800"/>
+              </a:spcBef>
+              <a:buFont typeface="Wingdings" panose="05000000000000000000" pitchFamily="2" charset="2"/>
+              <a:buChar char="§"/>
+            </a:pPr>
+            <a:r>
               <a:rPr lang="en-US" sz="2000" dirty="0"/>
               <a:t>The prevalence of Agile development has made design Principles even more important</a:t>
             </a:r>
@@ -5424,7 +5743,7 @@
             </a:pPr>
             <a:r>
               <a:rPr lang="en-US" sz="1600" dirty="0"/>
-              <a:t>Single-Responsibility Principle</a:t>
+              <a:t>Single-Responsibility Principle (SRP)</a:t>
             </a:r>
           </a:p>
           <a:p>
@@ -5437,7 +5756,7 @@
             </a:pPr>
             <a:r>
               <a:rPr lang="en-US" sz="1600" dirty="0"/>
-              <a:t>Open-Closed Principle</a:t>
+              <a:t>Open-Closed Principle </a:t>
             </a:r>
           </a:p>
           <a:p>
@@ -5528,7 +5847,7 @@
 </p:sld>
 </file>
 
-<file path=ppt/slides/slide15.xml><?xml version="1.0" encoding="utf-8"?>
+<file path=ppt/slides/slide16.xml><?xml version="1.0" encoding="utf-8"?>
 <p:sld xmlns:a="http://schemas.openxmlformats.org/drawingml/2006/main" xmlns:r="http://schemas.openxmlformats.org/officeDocument/2006/relationships" xmlns:p="http://schemas.openxmlformats.org/presentationml/2006/main">
   <p:cSld>
     <p:bg>
